--- a/Fondamentaux de Java.pptx
+++ b/Fondamentaux de Java.pptx
@@ -11,30 +11,31 @@
     <p:sldId id="266" r:id="rId5"/>
     <p:sldId id="267" r:id="rId6"/>
     <p:sldId id="268" r:id="rId7"/>
-    <p:sldId id="270" r:id="rId8"/>
-    <p:sldId id="269" r:id="rId9"/>
-    <p:sldId id="281" r:id="rId10"/>
-    <p:sldId id="272" r:id="rId11"/>
-    <p:sldId id="286" r:id="rId12"/>
-    <p:sldId id="271" r:id="rId13"/>
-    <p:sldId id="273" r:id="rId14"/>
-    <p:sldId id="257" r:id="rId15"/>
-    <p:sldId id="276" r:id="rId16"/>
-    <p:sldId id="265" r:id="rId17"/>
-    <p:sldId id="284" r:id="rId18"/>
-    <p:sldId id="259" r:id="rId19"/>
-    <p:sldId id="282" r:id="rId20"/>
-    <p:sldId id="260" r:id="rId21"/>
-    <p:sldId id="258" r:id="rId22"/>
-    <p:sldId id="283" r:id="rId23"/>
-    <p:sldId id="261" r:id="rId24"/>
-    <p:sldId id="278" r:id="rId25"/>
-    <p:sldId id="262" r:id="rId26"/>
-    <p:sldId id="263" r:id="rId27"/>
-    <p:sldId id="264" r:id="rId28"/>
-    <p:sldId id="274" r:id="rId29"/>
-    <p:sldId id="279" r:id="rId30"/>
-    <p:sldId id="275" r:id="rId31"/>
+    <p:sldId id="287" r:id="rId8"/>
+    <p:sldId id="270" r:id="rId9"/>
+    <p:sldId id="269" r:id="rId10"/>
+    <p:sldId id="281" r:id="rId11"/>
+    <p:sldId id="272" r:id="rId12"/>
+    <p:sldId id="286" r:id="rId13"/>
+    <p:sldId id="271" r:id="rId14"/>
+    <p:sldId id="273" r:id="rId15"/>
+    <p:sldId id="257" r:id="rId16"/>
+    <p:sldId id="276" r:id="rId17"/>
+    <p:sldId id="265" r:id="rId18"/>
+    <p:sldId id="284" r:id="rId19"/>
+    <p:sldId id="259" r:id="rId20"/>
+    <p:sldId id="282" r:id="rId21"/>
+    <p:sldId id="260" r:id="rId22"/>
+    <p:sldId id="258" r:id="rId23"/>
+    <p:sldId id="283" r:id="rId24"/>
+    <p:sldId id="261" r:id="rId25"/>
+    <p:sldId id="278" r:id="rId26"/>
+    <p:sldId id="262" r:id="rId27"/>
+    <p:sldId id="263" r:id="rId28"/>
+    <p:sldId id="264" r:id="rId29"/>
+    <p:sldId id="274" r:id="rId30"/>
+    <p:sldId id="279" r:id="rId31"/>
+    <p:sldId id="275" r:id="rId32"/>
   </p:sldIdLst>
   <p:sldSz cx="12192000" cy="6858000"/>
   <p:notesSz cx="6858000" cy="9144000"/>
@@ -290,7 +291,7 @@
           <a:p>
             <a:fld id="{92537B38-61D2-4403-B8A7-99815DEB4B90}" type="datetimeFigureOut">
               <a:rPr lang="fr-FR" smtClean="0"/>
-              <a:t>10/11/2022</a:t>
+              <a:t>06/12/2022</a:t>
             </a:fld>
             <a:endParaRPr lang="fr-FR"/>
           </a:p>
@@ -490,7 +491,7 @@
           <a:p>
             <a:fld id="{92537B38-61D2-4403-B8A7-99815DEB4B90}" type="datetimeFigureOut">
               <a:rPr lang="fr-FR" smtClean="0"/>
-              <a:t>10/11/2022</a:t>
+              <a:t>06/12/2022</a:t>
             </a:fld>
             <a:endParaRPr lang="fr-FR"/>
           </a:p>
@@ -700,7 +701,7 @@
           <a:p>
             <a:fld id="{92537B38-61D2-4403-B8A7-99815DEB4B90}" type="datetimeFigureOut">
               <a:rPr lang="fr-FR" smtClean="0"/>
-              <a:t>10/11/2022</a:t>
+              <a:t>06/12/2022</a:t>
             </a:fld>
             <a:endParaRPr lang="fr-FR"/>
           </a:p>
@@ -900,7 +901,7 @@
           <a:p>
             <a:fld id="{92537B38-61D2-4403-B8A7-99815DEB4B90}" type="datetimeFigureOut">
               <a:rPr lang="fr-FR" smtClean="0"/>
-              <a:t>10/11/2022</a:t>
+              <a:t>06/12/2022</a:t>
             </a:fld>
             <a:endParaRPr lang="fr-FR"/>
           </a:p>
@@ -1176,7 +1177,7 @@
           <a:p>
             <a:fld id="{92537B38-61D2-4403-B8A7-99815DEB4B90}" type="datetimeFigureOut">
               <a:rPr lang="fr-FR" smtClean="0"/>
-              <a:t>10/11/2022</a:t>
+              <a:t>06/12/2022</a:t>
             </a:fld>
             <a:endParaRPr lang="fr-FR"/>
           </a:p>
@@ -1444,7 +1445,7 @@
           <a:p>
             <a:fld id="{92537B38-61D2-4403-B8A7-99815DEB4B90}" type="datetimeFigureOut">
               <a:rPr lang="fr-FR" smtClean="0"/>
-              <a:t>10/11/2022</a:t>
+              <a:t>06/12/2022</a:t>
             </a:fld>
             <a:endParaRPr lang="fr-FR"/>
           </a:p>
@@ -1859,7 +1860,7 @@
           <a:p>
             <a:fld id="{92537B38-61D2-4403-B8A7-99815DEB4B90}" type="datetimeFigureOut">
               <a:rPr lang="fr-FR" smtClean="0"/>
-              <a:t>10/11/2022</a:t>
+              <a:t>06/12/2022</a:t>
             </a:fld>
             <a:endParaRPr lang="fr-FR"/>
           </a:p>
@@ -2001,7 +2002,7 @@
           <a:p>
             <a:fld id="{92537B38-61D2-4403-B8A7-99815DEB4B90}" type="datetimeFigureOut">
               <a:rPr lang="fr-FR" smtClean="0"/>
-              <a:t>10/11/2022</a:t>
+              <a:t>06/12/2022</a:t>
             </a:fld>
             <a:endParaRPr lang="fr-FR"/>
           </a:p>
@@ -2114,7 +2115,7 @@
           <a:p>
             <a:fld id="{92537B38-61D2-4403-B8A7-99815DEB4B90}" type="datetimeFigureOut">
               <a:rPr lang="fr-FR" smtClean="0"/>
-              <a:t>10/11/2022</a:t>
+              <a:t>06/12/2022</a:t>
             </a:fld>
             <a:endParaRPr lang="fr-FR"/>
           </a:p>
@@ -2427,7 +2428,7 @@
           <a:p>
             <a:fld id="{92537B38-61D2-4403-B8A7-99815DEB4B90}" type="datetimeFigureOut">
               <a:rPr lang="fr-FR" smtClean="0"/>
-              <a:t>10/11/2022</a:t>
+              <a:t>06/12/2022</a:t>
             </a:fld>
             <a:endParaRPr lang="fr-FR"/>
           </a:p>
@@ -2716,7 +2717,7 @@
           <a:p>
             <a:fld id="{92537B38-61D2-4403-B8A7-99815DEB4B90}" type="datetimeFigureOut">
               <a:rPr lang="fr-FR" smtClean="0"/>
-              <a:t>10/11/2022</a:t>
+              <a:t>06/12/2022</a:t>
             </a:fld>
             <a:endParaRPr lang="fr-FR"/>
           </a:p>
@@ -2959,7 +2960,7 @@
           <a:p>
             <a:fld id="{92537B38-61D2-4403-B8A7-99815DEB4B90}" type="datetimeFigureOut">
               <a:rPr lang="fr-FR" smtClean="0"/>
-              <a:t>10/11/2022</a:t>
+              <a:t>06/12/2022</a:t>
             </a:fld>
             <a:endParaRPr lang="fr-FR"/>
           </a:p>
@@ -3394,7 +3395,7 @@
         </p:nvSpPr>
         <p:spPr>
           <a:xfrm>
-            <a:off x="1162050" y="609600"/>
+            <a:off x="597274" y="564777"/>
             <a:ext cx="10534650" cy="3354480"/>
           </a:xfrm>
         </p:spPr>
@@ -3492,6 +3493,173 @@
           <p:cNvPr id="2" name="Title 1">
             <a:extLst>
               <a:ext uri="{FF2B5EF4-FFF2-40B4-BE49-F238E27FC236}">
+                <a16:creationId xmlns:a16="http://schemas.microsoft.com/office/drawing/2014/main" id="{8B6A4E27-F99E-9298-CCD8-E20821D22134}"/>
+              </a:ext>
+            </a:extLst>
+          </p:cNvPr>
+          <p:cNvSpPr>
+            <a:spLocks noGrp="1"/>
+          </p:cNvSpPr>
+          <p:nvPr>
+            <p:ph type="title"/>
+          </p:nvPr>
+        </p:nvSpPr>
+        <p:spPr>
+          <a:xfrm>
+            <a:off x="838200" y="138421"/>
+            <a:ext cx="10515600" cy="1325563"/>
+          </a:xfrm>
+        </p:spPr>
+        <p:txBody>
+          <a:bodyPr/>
+          <a:lstStyle/>
+          <a:p>
+            <a:r>
+              <a:rPr lang="fr-FR" dirty="0"/>
+              <a:t>1.2 Préférez les entiers pour les additions</a:t>
+            </a:r>
+          </a:p>
+        </p:txBody>
+      </p:sp>
+      <p:sp>
+        <p:nvSpPr>
+          <p:cNvPr id="3" name="Content Placeholder 2">
+            <a:extLst>
+              <a:ext uri="{FF2B5EF4-FFF2-40B4-BE49-F238E27FC236}">
+                <a16:creationId xmlns:a16="http://schemas.microsoft.com/office/drawing/2014/main" id="{16037DFF-68BC-EAF2-0B1E-DD0A9DBEBA02}"/>
+              </a:ext>
+            </a:extLst>
+          </p:cNvPr>
+          <p:cNvSpPr>
+            <a:spLocks noGrp="1"/>
+          </p:cNvSpPr>
+          <p:nvPr>
+            <p:ph idx="1"/>
+          </p:nvPr>
+        </p:nvSpPr>
+        <p:spPr>
+          <a:xfrm>
+            <a:off x="9005104" y="2268900"/>
+            <a:ext cx="3186896" cy="4223975"/>
+          </a:xfrm>
+        </p:spPr>
+        <p:txBody>
+          <a:bodyPr>
+            <a:normAutofit/>
+          </a:bodyPr>
+          <a:lstStyle/>
+          <a:p>
+            <a:r>
+              <a:rPr lang="fr-FR" dirty="0">
+                <a:solidFill>
+                  <a:srgbClr val="0070C0"/>
+                </a:solidFill>
+              </a:rPr>
+              <a:t>Utilisez des </a:t>
+            </a:r>
+            <a:r>
+              <a:rPr lang="fr-FR" dirty="0" err="1">
+                <a:solidFill>
+                  <a:srgbClr val="0070C0"/>
+                </a:solidFill>
+              </a:rPr>
+              <a:t>int</a:t>
+            </a:r>
+            <a:r>
+              <a:rPr lang="fr-FR" dirty="0">
+                <a:solidFill>
+                  <a:srgbClr val="0070C0"/>
+                </a:solidFill>
+              </a:rPr>
+              <a:t>, long (en centimes ou millimes si nécessaire) ou au pire </a:t>
+            </a:r>
+            <a:r>
+              <a:rPr lang="fr-FR" dirty="0" err="1">
+                <a:solidFill>
+                  <a:srgbClr val="0070C0"/>
+                </a:solidFill>
+              </a:rPr>
+              <a:t>BigDecimal</a:t>
+            </a:r>
+            <a:r>
+              <a:rPr lang="fr-FR" dirty="0">
+                <a:solidFill>
+                  <a:srgbClr val="0070C0"/>
+                </a:solidFill>
+              </a:rPr>
+              <a:t> (moins pratique et performant mais juste). </a:t>
+            </a:r>
+          </a:p>
+          <a:p>
+            <a:endParaRPr lang="fr-FR" dirty="0"/>
+          </a:p>
+        </p:txBody>
+      </p:sp>
+      <p:pic>
+        <p:nvPicPr>
+          <p:cNvPr id="5" name="Picture 4">
+            <a:extLst>
+              <a:ext uri="{FF2B5EF4-FFF2-40B4-BE49-F238E27FC236}">
+                <a16:creationId xmlns:a16="http://schemas.microsoft.com/office/drawing/2014/main" id="{4DFB1B9F-16DB-E18F-7416-5731FD512809}"/>
+              </a:ext>
+            </a:extLst>
+          </p:cNvPr>
+          <p:cNvPicPr>
+            <a:picLocks noChangeAspect="1"/>
+          </p:cNvPicPr>
+          <p:nvPr/>
+        </p:nvPicPr>
+        <p:blipFill>
+          <a:blip r:embed="rId2"/>
+          <a:stretch>
+            <a:fillRect/>
+          </a:stretch>
+        </p:blipFill>
+        <p:spPr>
+          <a:xfrm>
+            <a:off x="286474" y="1129897"/>
+            <a:ext cx="8420650" cy="5589682"/>
+          </a:xfrm>
+          <a:prstGeom prst="rect">
+            <a:avLst/>
+          </a:prstGeom>
+        </p:spPr>
+      </p:pic>
+    </p:spTree>
+    <p:extLst>
+      <p:ext uri="{BB962C8B-B14F-4D97-AF65-F5344CB8AC3E}">
+        <p14:creationId xmlns:p14="http://schemas.microsoft.com/office/powerpoint/2010/main" val="543172942"/>
+      </p:ext>
+    </p:extLst>
+  </p:cSld>
+  <p:clrMapOvr>
+    <a:masterClrMapping/>
+  </p:clrMapOvr>
+</p:sld>
+</file>
+
+<file path=ppt/slides/slide11.xml><?xml version="1.0" encoding="utf-8"?>
+<p:sld xmlns:a="http://schemas.openxmlformats.org/drawingml/2006/main" xmlns:r="http://schemas.openxmlformats.org/officeDocument/2006/relationships" xmlns:p="http://schemas.openxmlformats.org/presentationml/2006/main">
+  <p:cSld>
+    <p:spTree>
+      <p:nvGrpSpPr>
+        <p:cNvPr id="1" name=""/>
+        <p:cNvGrpSpPr/>
+        <p:nvPr/>
+      </p:nvGrpSpPr>
+      <p:grpSpPr>
+        <a:xfrm>
+          <a:off x="0" y="0"/>
+          <a:ext cx="0" cy="0"/>
+          <a:chOff x="0" y="0"/>
+          <a:chExt cx="0" cy="0"/>
+        </a:xfrm>
+      </p:grpSpPr>
+      <p:sp>
+        <p:nvSpPr>
+          <p:cNvPr id="2" name="Title 1">
+            <a:extLst>
+              <a:ext uri="{FF2B5EF4-FFF2-40B4-BE49-F238E27FC236}">
                 <a16:creationId xmlns:a16="http://schemas.microsoft.com/office/drawing/2014/main" id="{20194460-1A83-8F3F-FF30-25563F3B0F3E}"/>
               </a:ext>
             </a:extLst>
@@ -3546,7 +3714,7 @@
         </p:nvSpPr>
         <p:spPr>
           <a:xfrm>
-            <a:off x="838200" y="1214956"/>
+            <a:off x="838200" y="1210712"/>
             <a:ext cx="10515600" cy="4351338"/>
           </a:xfrm>
         </p:spPr>
@@ -3571,24 +3739,6 @@
               <a:t>Infinity</a:t>
             </a:r>
             <a:endParaRPr lang="fr-FR" dirty="0"/>
-          </a:p>
-          <a:p>
-            <a:endParaRPr lang="fr-FR" dirty="0"/>
-          </a:p>
-          <a:p>
-            <a:endParaRPr lang="fr-FR" dirty="0"/>
-          </a:p>
-          <a:p>
-            <a:endParaRPr lang="fr-FR" dirty="0"/>
-          </a:p>
-          <a:p>
-            <a:endParaRPr lang="fr-FR" dirty="0"/>
-          </a:p>
-          <a:p>
-            <a:r>
-              <a:rPr lang="fr-FR" dirty="0"/>
-              <a:t>Comparaison :</a:t>
-            </a:r>
           </a:p>
         </p:txBody>
       </p:sp>
@@ -3652,6 +3802,205 @@
           </a:prstGeom>
         </p:spPr>
       </p:pic>
+      <p:sp>
+        <p:nvSpPr>
+          <p:cNvPr id="4" name="Content Placeholder 2">
+            <a:extLst>
+              <a:ext uri="{FF2B5EF4-FFF2-40B4-BE49-F238E27FC236}">
+                <a16:creationId xmlns:a16="http://schemas.microsoft.com/office/drawing/2014/main" id="{4F47B152-785D-1937-3592-6D34B7CB7C01}"/>
+              </a:ext>
+            </a:extLst>
+          </p:cNvPr>
+          <p:cNvSpPr txBox="1">
+            <a:spLocks/>
+          </p:cNvSpPr>
+          <p:nvPr/>
+        </p:nvSpPr>
+        <p:spPr>
+          <a:xfrm>
+            <a:off x="838200" y="3694030"/>
+            <a:ext cx="10515600" cy="1003476"/>
+          </a:xfrm>
+          <a:prstGeom prst="rect">
+            <a:avLst/>
+          </a:prstGeom>
+        </p:spPr>
+        <p:txBody>
+          <a:bodyPr vert="horz" lIns="91440" tIns="45720" rIns="91440" bIns="45720" rtlCol="0">
+            <a:normAutofit/>
+          </a:bodyPr>
+          <a:lstStyle>
+            <a:lvl1pPr marL="228600" indent="-228600" algn="l" defTabSz="914400" rtl="0" eaLnBrk="1" latinLnBrk="0" hangingPunct="1">
+              <a:lnSpc>
+                <a:spcPct val="90000"/>
+              </a:lnSpc>
+              <a:spcBef>
+                <a:spcPts val="1000"/>
+              </a:spcBef>
+              <a:buFont typeface="Arial" panose="020B0604020202020204" pitchFamily="34" charset="0"/>
+              <a:buChar char="•"/>
+              <a:defRPr sz="2800" kern="1200">
+                <a:solidFill>
+                  <a:schemeClr val="tx1"/>
+                </a:solidFill>
+                <a:latin typeface="+mn-lt"/>
+                <a:ea typeface="+mn-ea"/>
+                <a:cs typeface="+mn-cs"/>
+              </a:defRPr>
+            </a:lvl1pPr>
+            <a:lvl2pPr marL="685800" indent="-228600" algn="l" defTabSz="914400" rtl="0" eaLnBrk="1" latinLnBrk="0" hangingPunct="1">
+              <a:lnSpc>
+                <a:spcPct val="90000"/>
+              </a:lnSpc>
+              <a:spcBef>
+                <a:spcPts val="500"/>
+              </a:spcBef>
+              <a:buFont typeface="Arial" panose="020B0604020202020204" pitchFamily="34" charset="0"/>
+              <a:buChar char="•"/>
+              <a:defRPr sz="2400" kern="1200">
+                <a:solidFill>
+                  <a:schemeClr val="tx1"/>
+                </a:solidFill>
+                <a:latin typeface="+mn-lt"/>
+                <a:ea typeface="+mn-ea"/>
+                <a:cs typeface="+mn-cs"/>
+              </a:defRPr>
+            </a:lvl2pPr>
+            <a:lvl3pPr marL="1143000" indent="-228600" algn="l" defTabSz="914400" rtl="0" eaLnBrk="1" latinLnBrk="0" hangingPunct="1">
+              <a:lnSpc>
+                <a:spcPct val="90000"/>
+              </a:lnSpc>
+              <a:spcBef>
+                <a:spcPts val="500"/>
+              </a:spcBef>
+              <a:buFont typeface="Arial" panose="020B0604020202020204" pitchFamily="34" charset="0"/>
+              <a:buChar char="•"/>
+              <a:defRPr sz="2000" kern="1200">
+                <a:solidFill>
+                  <a:schemeClr val="tx1"/>
+                </a:solidFill>
+                <a:latin typeface="+mn-lt"/>
+                <a:ea typeface="+mn-ea"/>
+                <a:cs typeface="+mn-cs"/>
+              </a:defRPr>
+            </a:lvl3pPr>
+            <a:lvl4pPr marL="1600200" indent="-228600" algn="l" defTabSz="914400" rtl="0" eaLnBrk="1" latinLnBrk="0" hangingPunct="1">
+              <a:lnSpc>
+                <a:spcPct val="90000"/>
+              </a:lnSpc>
+              <a:spcBef>
+                <a:spcPts val="500"/>
+              </a:spcBef>
+              <a:buFont typeface="Arial" panose="020B0604020202020204" pitchFamily="34" charset="0"/>
+              <a:buChar char="•"/>
+              <a:defRPr sz="1800" kern="1200">
+                <a:solidFill>
+                  <a:schemeClr val="tx1"/>
+                </a:solidFill>
+                <a:latin typeface="+mn-lt"/>
+                <a:ea typeface="+mn-ea"/>
+                <a:cs typeface="+mn-cs"/>
+              </a:defRPr>
+            </a:lvl4pPr>
+            <a:lvl5pPr marL="2057400" indent="-228600" algn="l" defTabSz="914400" rtl="0" eaLnBrk="1" latinLnBrk="0" hangingPunct="1">
+              <a:lnSpc>
+                <a:spcPct val="90000"/>
+              </a:lnSpc>
+              <a:spcBef>
+                <a:spcPts val="500"/>
+              </a:spcBef>
+              <a:buFont typeface="Arial" panose="020B0604020202020204" pitchFamily="34" charset="0"/>
+              <a:buChar char="•"/>
+              <a:defRPr sz="1800" kern="1200">
+                <a:solidFill>
+                  <a:schemeClr val="tx1"/>
+                </a:solidFill>
+                <a:latin typeface="+mn-lt"/>
+                <a:ea typeface="+mn-ea"/>
+                <a:cs typeface="+mn-cs"/>
+              </a:defRPr>
+            </a:lvl5pPr>
+            <a:lvl6pPr marL="2514600" indent="-228600" algn="l" defTabSz="914400" rtl="0" eaLnBrk="1" latinLnBrk="0" hangingPunct="1">
+              <a:lnSpc>
+                <a:spcPct val="90000"/>
+              </a:lnSpc>
+              <a:spcBef>
+                <a:spcPts val="500"/>
+              </a:spcBef>
+              <a:buFont typeface="Arial" panose="020B0604020202020204" pitchFamily="34" charset="0"/>
+              <a:buChar char="•"/>
+              <a:defRPr sz="1800" kern="1200">
+                <a:solidFill>
+                  <a:schemeClr val="tx1"/>
+                </a:solidFill>
+                <a:latin typeface="+mn-lt"/>
+                <a:ea typeface="+mn-ea"/>
+                <a:cs typeface="+mn-cs"/>
+              </a:defRPr>
+            </a:lvl6pPr>
+            <a:lvl7pPr marL="2971800" indent="-228600" algn="l" defTabSz="914400" rtl="0" eaLnBrk="1" latinLnBrk="0" hangingPunct="1">
+              <a:lnSpc>
+                <a:spcPct val="90000"/>
+              </a:lnSpc>
+              <a:spcBef>
+                <a:spcPts val="500"/>
+              </a:spcBef>
+              <a:buFont typeface="Arial" panose="020B0604020202020204" pitchFamily="34" charset="0"/>
+              <a:buChar char="•"/>
+              <a:defRPr sz="1800" kern="1200">
+                <a:solidFill>
+                  <a:schemeClr val="tx1"/>
+                </a:solidFill>
+                <a:latin typeface="+mn-lt"/>
+                <a:ea typeface="+mn-ea"/>
+                <a:cs typeface="+mn-cs"/>
+              </a:defRPr>
+            </a:lvl7pPr>
+            <a:lvl8pPr marL="3429000" indent="-228600" algn="l" defTabSz="914400" rtl="0" eaLnBrk="1" latinLnBrk="0" hangingPunct="1">
+              <a:lnSpc>
+                <a:spcPct val="90000"/>
+              </a:lnSpc>
+              <a:spcBef>
+                <a:spcPts val="500"/>
+              </a:spcBef>
+              <a:buFont typeface="Arial" panose="020B0604020202020204" pitchFamily="34" charset="0"/>
+              <a:buChar char="•"/>
+              <a:defRPr sz="1800" kern="1200">
+                <a:solidFill>
+                  <a:schemeClr val="tx1"/>
+                </a:solidFill>
+                <a:latin typeface="+mn-lt"/>
+                <a:ea typeface="+mn-ea"/>
+                <a:cs typeface="+mn-cs"/>
+              </a:defRPr>
+            </a:lvl8pPr>
+            <a:lvl9pPr marL="3886200" indent="-228600" algn="l" defTabSz="914400" rtl="0" eaLnBrk="1" latinLnBrk="0" hangingPunct="1">
+              <a:lnSpc>
+                <a:spcPct val="90000"/>
+              </a:lnSpc>
+              <a:spcBef>
+                <a:spcPts val="500"/>
+              </a:spcBef>
+              <a:buFont typeface="Arial" panose="020B0604020202020204" pitchFamily="34" charset="0"/>
+              <a:buChar char="•"/>
+              <a:defRPr sz="1800" kern="1200">
+                <a:solidFill>
+                  <a:schemeClr val="tx1"/>
+                </a:solidFill>
+                <a:latin typeface="+mn-lt"/>
+                <a:ea typeface="+mn-ea"/>
+                <a:cs typeface="+mn-cs"/>
+              </a:defRPr>
+            </a:lvl9pPr>
+          </a:lstStyle>
+          <a:p>
+            <a:r>
+              <a:rPr lang="fr-FR" dirty="0"/>
+              <a:t>Comparaison :</a:t>
+            </a:r>
+          </a:p>
+        </p:txBody>
+      </p:sp>
     </p:spTree>
     <p:extLst>
       <p:ext uri="{BB962C8B-B14F-4D97-AF65-F5344CB8AC3E}">
@@ -3662,10 +4011,160 @@
   <p:clrMapOvr>
     <a:masterClrMapping/>
   </p:clrMapOvr>
+  <p:timing>
+    <p:tnLst>
+      <p:par>
+        <p:cTn id="1" dur="indefinite" restart="never" nodeType="tmRoot">
+          <p:childTnLst>
+            <p:seq concurrent="1" nextAc="seek">
+              <p:cTn id="2" dur="indefinite" nodeType="mainSeq">
+                <p:childTnLst>
+                  <p:par>
+                    <p:cTn id="3" fill="hold">
+                      <p:stCondLst>
+                        <p:cond delay="indefinite"/>
+                      </p:stCondLst>
+                      <p:childTnLst>
+                        <p:par>
+                          <p:cTn id="4" fill="hold">
+                            <p:stCondLst>
+                              <p:cond delay="0"/>
+                            </p:stCondLst>
+                            <p:childTnLst>
+                              <p:par>
+                                <p:cTn id="5" presetID="1" presetClass="entr" presetSubtype="0" fill="hold" nodeType="clickEffect">
+                                  <p:stCondLst>
+                                    <p:cond delay="0"/>
+                                  </p:stCondLst>
+                                  <p:childTnLst>
+                                    <p:set>
+                                      <p:cBhvr>
+                                        <p:cTn id="6" dur="1" fill="hold">
+                                          <p:stCondLst>
+                                            <p:cond delay="0"/>
+                                          </p:stCondLst>
+                                        </p:cTn>
+                                        <p:tgtEl>
+                                          <p:spTgt spid="15"/>
+                                        </p:tgtEl>
+                                        <p:attrNameLst>
+                                          <p:attrName>style.visibility</p:attrName>
+                                        </p:attrNameLst>
+                                      </p:cBhvr>
+                                      <p:to>
+                                        <p:strVal val="visible"/>
+                                      </p:to>
+                                    </p:set>
+                                  </p:childTnLst>
+                                </p:cTn>
+                              </p:par>
+                              <p:par>
+                                <p:cTn id="7" presetID="1" presetClass="entr" presetSubtype="0" fill="hold" grpId="0" nodeType="withEffect">
+                                  <p:stCondLst>
+                                    <p:cond delay="0"/>
+                                  </p:stCondLst>
+                                  <p:childTnLst>
+                                    <p:set>
+                                      <p:cBhvr>
+                                        <p:cTn id="8" dur="1" fill="hold">
+                                          <p:stCondLst>
+                                            <p:cond delay="0"/>
+                                          </p:stCondLst>
+                                        </p:cTn>
+                                        <p:tgtEl>
+                                          <p:spTgt spid="4"/>
+                                        </p:tgtEl>
+                                        <p:attrNameLst>
+                                          <p:attrName>style.visibility</p:attrName>
+                                        </p:attrNameLst>
+                                      </p:cBhvr>
+                                      <p:to>
+                                        <p:strVal val="visible"/>
+                                      </p:to>
+                                    </p:set>
+                                  </p:childTnLst>
+                                </p:cTn>
+                              </p:par>
+                            </p:childTnLst>
+                          </p:cTn>
+                        </p:par>
+                      </p:childTnLst>
+                    </p:cTn>
+                  </p:par>
+                  <p:par>
+                    <p:cTn id="9" fill="hold">
+                      <p:stCondLst>
+                        <p:cond delay="indefinite"/>
+                      </p:stCondLst>
+                      <p:childTnLst>
+                        <p:par>
+                          <p:cTn id="10" fill="hold">
+                            <p:stCondLst>
+                              <p:cond delay="0"/>
+                            </p:stCondLst>
+                            <p:childTnLst>
+                              <p:par>
+                                <p:cTn id="11" presetID="1" presetClass="entr" presetSubtype="0" fill="hold" nodeType="clickEffect">
+                                  <p:stCondLst>
+                                    <p:cond delay="0"/>
+                                  </p:stCondLst>
+                                  <p:childTnLst>
+                                    <p:set>
+                                      <p:cBhvr>
+                                        <p:cTn id="12" dur="1" fill="hold">
+                                          <p:stCondLst>
+                                            <p:cond delay="0"/>
+                                          </p:stCondLst>
+                                        </p:cTn>
+                                        <p:tgtEl>
+                                          <p:spTgt spid="13"/>
+                                        </p:tgtEl>
+                                        <p:attrNameLst>
+                                          <p:attrName>style.visibility</p:attrName>
+                                        </p:attrNameLst>
+                                      </p:cBhvr>
+                                      <p:to>
+                                        <p:strVal val="visible"/>
+                                      </p:to>
+                                    </p:set>
+                                  </p:childTnLst>
+                                </p:cTn>
+                              </p:par>
+                            </p:childTnLst>
+                          </p:cTn>
+                        </p:par>
+                      </p:childTnLst>
+                    </p:cTn>
+                  </p:par>
+                </p:childTnLst>
+              </p:cTn>
+              <p:prevCondLst>
+                <p:cond evt="onPrev" delay="0">
+                  <p:tgtEl>
+                    <p:sldTgt/>
+                  </p:tgtEl>
+                </p:cond>
+              </p:prevCondLst>
+              <p:nextCondLst>
+                <p:cond evt="onNext" delay="0">
+                  <p:tgtEl>
+                    <p:sldTgt/>
+                  </p:tgtEl>
+                </p:cond>
+              </p:nextCondLst>
+            </p:seq>
+          </p:childTnLst>
+        </p:cTn>
+      </p:par>
+    </p:tnLst>
+    <p:bldLst>
+      <p:bldP spid="4" grpId="0"/>
+    </p:bldLst>
+  </p:timing>
 </p:sld>
 </file>
 
-<file path=ppt/slides/slide11.xml><?xml version="1.0" encoding="utf-8"?>
+<file path=ppt/slides/slide12.xml><?xml version="1.0" encoding="utf-8"?>
 <p:sld xmlns:a="http://schemas.openxmlformats.org/drawingml/2006/main" xmlns:r="http://schemas.openxmlformats.org/officeDocument/2006/relationships" xmlns:p="http://schemas.openxmlformats.org/presentationml/2006/main">
   <p:cSld>
     <p:spTree>
@@ -4391,7 +4890,7 @@
 </p:sld>
 </file>
 
-<file path=ppt/slides/slide12.xml><?xml version="1.0" encoding="utf-8"?>
+<file path=ppt/slides/slide13.xml><?xml version="1.0" encoding="utf-8"?>
 <p:sld xmlns:a="http://schemas.openxmlformats.org/drawingml/2006/main" xmlns:r="http://schemas.openxmlformats.org/officeDocument/2006/relationships" xmlns:p="http://schemas.openxmlformats.org/presentationml/2006/main">
   <p:cSld>
     <p:spTree>
@@ -4576,7 +5075,7 @@
 </p:sld>
 </file>
 
-<file path=ppt/slides/slide13.xml><?xml version="1.0" encoding="utf-8"?>
+<file path=ppt/slides/slide14.xml><?xml version="1.0" encoding="utf-8"?>
 <p:sld xmlns:a="http://schemas.openxmlformats.org/drawingml/2006/main" xmlns:r="http://schemas.openxmlformats.org/officeDocument/2006/relationships" xmlns:p="http://schemas.openxmlformats.org/presentationml/2006/main">
   <p:cSld>
     <p:spTree>
@@ -4958,7 +5457,7 @@
 </p:sld>
 </file>
 
-<file path=ppt/slides/slide14.xml><?xml version="1.0" encoding="utf-8"?>
+<file path=ppt/slides/slide15.xml><?xml version="1.0" encoding="utf-8"?>
 <p:sld xmlns:a="http://schemas.openxmlformats.org/drawingml/2006/main" xmlns:r="http://schemas.openxmlformats.org/officeDocument/2006/relationships" xmlns:p="http://schemas.openxmlformats.org/presentationml/2006/main">
   <p:cSld>
     <p:spTree>
@@ -5051,7 +5550,7 @@
 </p:sld>
 </file>
 
-<file path=ppt/slides/slide15.xml><?xml version="1.0" encoding="utf-8"?>
+<file path=ppt/slides/slide16.xml><?xml version="1.0" encoding="utf-8"?>
 <p:sld xmlns:a="http://schemas.openxmlformats.org/drawingml/2006/main" xmlns:r="http://schemas.openxmlformats.org/officeDocument/2006/relationships" xmlns:p="http://schemas.openxmlformats.org/presentationml/2006/main">
   <p:cSld>
     <p:spTree>
@@ -5620,7 +6119,7 @@
 </p:sld>
 </file>
 
-<file path=ppt/slides/slide16.xml><?xml version="1.0" encoding="utf-8"?>
+<file path=ppt/slides/slide17.xml><?xml version="1.0" encoding="utf-8"?>
 <p:sld xmlns:a="http://schemas.openxmlformats.org/drawingml/2006/main" xmlns:r="http://schemas.openxmlformats.org/officeDocument/2006/relationships" xmlns:p="http://schemas.openxmlformats.org/presentationml/2006/main">
   <p:cSld>
     <p:spTree>
@@ -6186,7 +6685,7 @@
 </p:sld>
 </file>
 
-<file path=ppt/slides/slide17.xml><?xml version="1.0" encoding="utf-8"?>
+<file path=ppt/slides/slide18.xml><?xml version="1.0" encoding="utf-8"?>
 <p:sld xmlns:a="http://schemas.openxmlformats.org/drawingml/2006/main" xmlns:r="http://schemas.openxmlformats.org/officeDocument/2006/relationships" xmlns:p="http://schemas.openxmlformats.org/presentationml/2006/main">
   <p:cSld>
     <p:spTree>
@@ -6246,7 +6745,7 @@
 </p:sld>
 </file>
 
-<file path=ppt/slides/slide18.xml><?xml version="1.0" encoding="utf-8"?>
+<file path=ppt/slides/slide19.xml><?xml version="1.0" encoding="utf-8"?>
 <p:sld xmlns:a="http://schemas.openxmlformats.org/drawingml/2006/main" xmlns:r="http://schemas.openxmlformats.org/officeDocument/2006/relationships" xmlns:p="http://schemas.openxmlformats.org/presentationml/2006/main">
   <p:cSld>
     <p:spTree>
@@ -6546,129 +7045,6 @@
 </p:sld>
 </file>
 
-<file path=ppt/slides/slide19.xml><?xml version="1.0" encoding="utf-8"?>
-<p:sld xmlns:a="http://schemas.openxmlformats.org/drawingml/2006/main" xmlns:r="http://schemas.openxmlformats.org/officeDocument/2006/relationships" xmlns:p="http://schemas.openxmlformats.org/presentationml/2006/main">
-  <p:cSld>
-    <p:spTree>
-      <p:nvGrpSpPr>
-        <p:cNvPr id="1" name=""/>
-        <p:cNvGrpSpPr/>
-        <p:nvPr/>
-      </p:nvGrpSpPr>
-      <p:grpSpPr>
-        <a:xfrm>
-          <a:off x="0" y="0"/>
-          <a:ext cx="0" cy="0"/>
-          <a:chOff x="0" y="0"/>
-          <a:chExt cx="0" cy="0"/>
-        </a:xfrm>
-      </p:grpSpPr>
-      <p:sp>
-        <p:nvSpPr>
-          <p:cNvPr id="2" name="Title 1">
-            <a:extLst>
-              <a:ext uri="{FF2B5EF4-FFF2-40B4-BE49-F238E27FC236}">
-                <a16:creationId xmlns:a16="http://schemas.microsoft.com/office/drawing/2014/main" id="{6DA748FB-1F28-D4A9-F67F-910CD47CD11F}"/>
-              </a:ext>
-            </a:extLst>
-          </p:cNvPr>
-          <p:cNvSpPr>
-            <a:spLocks noGrp="1"/>
-          </p:cNvSpPr>
-          <p:nvPr>
-            <p:ph type="title"/>
-          </p:nvPr>
-        </p:nvSpPr>
-        <p:spPr>
-          <a:xfrm>
-            <a:off x="838200" y="365125"/>
-            <a:ext cx="10515600" cy="996315"/>
-          </a:xfrm>
-        </p:spPr>
-        <p:txBody>
-          <a:bodyPr/>
-          <a:lstStyle/>
-          <a:p>
-            <a:r>
-              <a:rPr lang="fr-FR" dirty="0"/>
-              <a:t>2.3 Performance modérée</a:t>
-            </a:r>
-          </a:p>
-        </p:txBody>
-      </p:sp>
-      <p:pic>
-        <p:nvPicPr>
-          <p:cNvPr id="15" name="Picture 14">
-            <a:extLst>
-              <a:ext uri="{FF2B5EF4-FFF2-40B4-BE49-F238E27FC236}">
-                <a16:creationId xmlns:a16="http://schemas.microsoft.com/office/drawing/2014/main" id="{F4BE8B94-0EB9-F721-B3E5-22FA55E9D4EC}"/>
-              </a:ext>
-            </a:extLst>
-          </p:cNvPr>
-          <p:cNvPicPr>
-            <a:picLocks noChangeAspect="1"/>
-          </p:cNvPicPr>
-          <p:nvPr/>
-        </p:nvPicPr>
-        <p:blipFill>
-          <a:blip r:embed="rId2"/>
-          <a:stretch>
-            <a:fillRect/>
-          </a:stretch>
-        </p:blipFill>
-        <p:spPr>
-          <a:xfrm>
-            <a:off x="429119" y="1361440"/>
-            <a:ext cx="4740366" cy="4673600"/>
-          </a:xfrm>
-          <a:prstGeom prst="rect">
-            <a:avLst/>
-          </a:prstGeom>
-        </p:spPr>
-      </p:pic>
-      <p:pic>
-        <p:nvPicPr>
-          <p:cNvPr id="17" name="Picture 16">
-            <a:extLst>
-              <a:ext uri="{FF2B5EF4-FFF2-40B4-BE49-F238E27FC236}">
-                <a16:creationId xmlns:a16="http://schemas.microsoft.com/office/drawing/2014/main" id="{481FD3A6-ED8D-50C3-7827-6C70625A1DAF}"/>
-              </a:ext>
-            </a:extLst>
-          </p:cNvPr>
-          <p:cNvPicPr>
-            <a:picLocks noChangeAspect="1"/>
-          </p:cNvPicPr>
-          <p:nvPr/>
-        </p:nvPicPr>
-        <p:blipFill>
-          <a:blip r:embed="rId3"/>
-          <a:stretch>
-            <a:fillRect/>
-          </a:stretch>
-        </p:blipFill>
-        <p:spPr>
-          <a:xfrm>
-            <a:off x="5422946" y="1361439"/>
-            <a:ext cx="6563254" cy="4854165"/>
-          </a:xfrm>
-          <a:prstGeom prst="rect">
-            <a:avLst/>
-          </a:prstGeom>
-        </p:spPr>
-      </p:pic>
-    </p:spTree>
-    <p:extLst>
-      <p:ext uri="{BB962C8B-B14F-4D97-AF65-F5344CB8AC3E}">
-        <p14:creationId xmlns:p14="http://schemas.microsoft.com/office/powerpoint/2010/main" val="3242307251"/>
-      </p:ext>
-    </p:extLst>
-  </p:cSld>
-  <p:clrMapOvr>
-    <a:masterClrMapping/>
-  </p:clrMapOvr>
-</p:sld>
-</file>
-
 <file path=ppt/slides/slide2.xml><?xml version="1.0" encoding="utf-8"?>
 <p:sld xmlns:a="http://schemas.openxmlformats.org/drawingml/2006/main" xmlns:r="http://schemas.openxmlformats.org/officeDocument/2006/relationships" xmlns:p="http://schemas.openxmlformats.org/presentationml/2006/main">
   <p:cSld>
@@ -6753,7 +7129,7 @@
             </a:pPr>
             <a:r>
               <a:rPr lang="fr-FR" dirty="0"/>
-              <a:t>Les nombres</a:t>
+              <a:t>Les primitives</a:t>
             </a:r>
           </a:p>
           <a:p>
@@ -7236,6 +7612,129 @@
           <p:cNvPr id="2" name="Title 1">
             <a:extLst>
               <a:ext uri="{FF2B5EF4-FFF2-40B4-BE49-F238E27FC236}">
+                <a16:creationId xmlns:a16="http://schemas.microsoft.com/office/drawing/2014/main" id="{6DA748FB-1F28-D4A9-F67F-910CD47CD11F}"/>
+              </a:ext>
+            </a:extLst>
+          </p:cNvPr>
+          <p:cNvSpPr>
+            <a:spLocks noGrp="1"/>
+          </p:cNvSpPr>
+          <p:nvPr>
+            <p:ph type="title"/>
+          </p:nvPr>
+        </p:nvSpPr>
+        <p:spPr>
+          <a:xfrm>
+            <a:off x="838200" y="365125"/>
+            <a:ext cx="10515600" cy="996315"/>
+          </a:xfrm>
+        </p:spPr>
+        <p:txBody>
+          <a:bodyPr/>
+          <a:lstStyle/>
+          <a:p>
+            <a:r>
+              <a:rPr lang="fr-FR" dirty="0"/>
+              <a:t>2.3 Performance modérée</a:t>
+            </a:r>
+          </a:p>
+        </p:txBody>
+      </p:sp>
+      <p:pic>
+        <p:nvPicPr>
+          <p:cNvPr id="15" name="Picture 14">
+            <a:extLst>
+              <a:ext uri="{FF2B5EF4-FFF2-40B4-BE49-F238E27FC236}">
+                <a16:creationId xmlns:a16="http://schemas.microsoft.com/office/drawing/2014/main" id="{F4BE8B94-0EB9-F721-B3E5-22FA55E9D4EC}"/>
+              </a:ext>
+            </a:extLst>
+          </p:cNvPr>
+          <p:cNvPicPr>
+            <a:picLocks noChangeAspect="1"/>
+          </p:cNvPicPr>
+          <p:nvPr/>
+        </p:nvPicPr>
+        <p:blipFill>
+          <a:blip r:embed="rId2"/>
+          <a:stretch>
+            <a:fillRect/>
+          </a:stretch>
+        </p:blipFill>
+        <p:spPr>
+          <a:xfrm>
+            <a:off x="429119" y="1361440"/>
+            <a:ext cx="4740366" cy="4673600"/>
+          </a:xfrm>
+          <a:prstGeom prst="rect">
+            <a:avLst/>
+          </a:prstGeom>
+        </p:spPr>
+      </p:pic>
+      <p:pic>
+        <p:nvPicPr>
+          <p:cNvPr id="17" name="Picture 16">
+            <a:extLst>
+              <a:ext uri="{FF2B5EF4-FFF2-40B4-BE49-F238E27FC236}">
+                <a16:creationId xmlns:a16="http://schemas.microsoft.com/office/drawing/2014/main" id="{481FD3A6-ED8D-50C3-7827-6C70625A1DAF}"/>
+              </a:ext>
+            </a:extLst>
+          </p:cNvPr>
+          <p:cNvPicPr>
+            <a:picLocks noChangeAspect="1"/>
+          </p:cNvPicPr>
+          <p:nvPr/>
+        </p:nvPicPr>
+        <p:blipFill>
+          <a:blip r:embed="rId3"/>
+          <a:stretch>
+            <a:fillRect/>
+          </a:stretch>
+        </p:blipFill>
+        <p:spPr>
+          <a:xfrm>
+            <a:off x="5422946" y="1361439"/>
+            <a:ext cx="6563254" cy="4854165"/>
+          </a:xfrm>
+          <a:prstGeom prst="rect">
+            <a:avLst/>
+          </a:prstGeom>
+        </p:spPr>
+      </p:pic>
+    </p:spTree>
+    <p:extLst>
+      <p:ext uri="{BB962C8B-B14F-4D97-AF65-F5344CB8AC3E}">
+        <p14:creationId xmlns:p14="http://schemas.microsoft.com/office/powerpoint/2010/main" val="3242307251"/>
+      </p:ext>
+    </p:extLst>
+  </p:cSld>
+  <p:clrMapOvr>
+    <a:masterClrMapping/>
+  </p:clrMapOvr>
+</p:sld>
+</file>
+
+<file path=ppt/slides/slide21.xml><?xml version="1.0" encoding="utf-8"?>
+<p:sld xmlns:a="http://schemas.openxmlformats.org/drawingml/2006/main" xmlns:r="http://schemas.openxmlformats.org/officeDocument/2006/relationships" xmlns:p="http://schemas.openxmlformats.org/presentationml/2006/main">
+  <p:cSld>
+    <p:spTree>
+      <p:nvGrpSpPr>
+        <p:cNvPr id="1" name=""/>
+        <p:cNvGrpSpPr/>
+        <p:nvPr/>
+      </p:nvGrpSpPr>
+      <p:grpSpPr>
+        <a:xfrm>
+          <a:off x="0" y="0"/>
+          <a:ext cx="0" cy="0"/>
+          <a:chOff x="0" y="0"/>
+          <a:chExt cx="0" cy="0"/>
+        </a:xfrm>
+      </p:grpSpPr>
+      <p:sp>
+        <p:nvSpPr>
+          <p:cNvPr id="2" name="Title 1">
+            <a:extLst>
+              <a:ext uri="{FF2B5EF4-FFF2-40B4-BE49-F238E27FC236}">
                 <a16:creationId xmlns:a16="http://schemas.microsoft.com/office/drawing/2014/main" id="{43D9D24A-EF3D-D2DE-3E4B-696284622185}"/>
               </a:ext>
             </a:extLst>
@@ -7536,7 +8035,7 @@
 </p:sld>
 </file>
 
-<file path=ppt/slides/slide21.xml><?xml version="1.0" encoding="utf-8"?>
+<file path=ppt/slides/slide22.xml><?xml version="1.0" encoding="utf-8"?>
 <p:sld xmlns:a="http://schemas.openxmlformats.org/drawingml/2006/main" xmlns:r="http://schemas.openxmlformats.org/officeDocument/2006/relationships" xmlns:p="http://schemas.openxmlformats.org/presentationml/2006/main">
   <p:cSld>
     <p:spTree>
@@ -7737,7 +8236,7 @@
 </p:sld>
 </file>
 
-<file path=ppt/slides/slide22.xml><?xml version="1.0" encoding="utf-8"?>
+<file path=ppt/slides/slide23.xml><?xml version="1.0" encoding="utf-8"?>
 <p:sld xmlns:a="http://schemas.openxmlformats.org/drawingml/2006/main" xmlns:r="http://schemas.openxmlformats.org/officeDocument/2006/relationships" xmlns:p="http://schemas.openxmlformats.org/presentationml/2006/main">
   <p:cSld>
     <p:spTree>
@@ -7837,7 +8336,7 @@
 </p:sld>
 </file>
 
-<file path=ppt/slides/slide23.xml><?xml version="1.0" encoding="utf-8"?>
+<file path=ppt/slides/slide24.xml><?xml version="1.0" encoding="utf-8"?>
 <p:sld xmlns:a="http://schemas.openxmlformats.org/drawingml/2006/main" xmlns:r="http://schemas.openxmlformats.org/officeDocument/2006/relationships" xmlns:p="http://schemas.openxmlformats.org/presentationml/2006/main">
   <p:cSld>
     <p:spTree>
@@ -8163,7 +8662,7 @@
 </p:sld>
 </file>
 
-<file path=ppt/slides/slide24.xml><?xml version="1.0" encoding="utf-8"?>
+<file path=ppt/slides/slide25.xml><?xml version="1.0" encoding="utf-8"?>
 <p:sld xmlns:a="http://schemas.openxmlformats.org/drawingml/2006/main" xmlns:r="http://schemas.openxmlformats.org/officeDocument/2006/relationships" xmlns:p="http://schemas.openxmlformats.org/presentationml/2006/main">
   <p:cSld>
     <p:spTree>
@@ -8767,7 +9266,7 @@
 </p:sld>
 </file>
 
-<file path=ppt/slides/slide25.xml><?xml version="1.0" encoding="utf-8"?>
+<file path=ppt/slides/slide26.xml><?xml version="1.0" encoding="utf-8"?>
 <p:sld xmlns:a="http://schemas.openxmlformats.org/drawingml/2006/main" xmlns:r="http://schemas.openxmlformats.org/officeDocument/2006/relationships" xmlns:p="http://schemas.openxmlformats.org/presentationml/2006/main">
   <p:cSld>
     <p:spTree>
@@ -8947,7 +9446,7 @@
 </p:sld>
 </file>
 
-<file path=ppt/slides/slide26.xml><?xml version="1.0" encoding="utf-8"?>
+<file path=ppt/slides/slide27.xml><?xml version="1.0" encoding="utf-8"?>
 <p:sld xmlns:a="http://schemas.openxmlformats.org/drawingml/2006/main" xmlns:r="http://schemas.openxmlformats.org/officeDocument/2006/relationships" xmlns:p="http://schemas.openxmlformats.org/presentationml/2006/main">
   <p:cSld>
     <p:spTree>
@@ -9235,7 +9734,7 @@
 </p:sld>
 </file>
 
-<file path=ppt/slides/slide27.xml><?xml version="1.0" encoding="utf-8"?>
+<file path=ppt/slides/slide28.xml><?xml version="1.0" encoding="utf-8"?>
 <p:sld xmlns:a="http://schemas.openxmlformats.org/drawingml/2006/main" xmlns:r="http://schemas.openxmlformats.org/officeDocument/2006/relationships" xmlns:p="http://schemas.openxmlformats.org/presentationml/2006/main">
   <p:cSld>
     <p:spTree>
@@ -9453,7 +9952,7 @@
 </p:sld>
 </file>
 
-<file path=ppt/slides/slide28.xml><?xml version="1.0" encoding="utf-8"?>
+<file path=ppt/slides/slide29.xml><?xml version="1.0" encoding="utf-8"?>
 <p:sld xmlns:a="http://schemas.openxmlformats.org/drawingml/2006/main" xmlns:r="http://schemas.openxmlformats.org/officeDocument/2006/relationships" xmlns:p="http://schemas.openxmlformats.org/presentationml/2006/main">
   <p:cSld>
     <p:spTree>
@@ -9568,135 +10067,6 @@
     <p:extLst>
       <p:ext uri="{BB962C8B-B14F-4D97-AF65-F5344CB8AC3E}">
         <p14:creationId xmlns:p14="http://schemas.microsoft.com/office/powerpoint/2010/main" val="1486855120"/>
-      </p:ext>
-    </p:extLst>
-  </p:cSld>
-  <p:clrMapOvr>
-    <a:masterClrMapping/>
-  </p:clrMapOvr>
-</p:sld>
-</file>
-
-<file path=ppt/slides/slide29.xml><?xml version="1.0" encoding="utf-8"?>
-<p:sld xmlns:a="http://schemas.openxmlformats.org/drawingml/2006/main" xmlns:r="http://schemas.openxmlformats.org/officeDocument/2006/relationships" xmlns:p="http://schemas.openxmlformats.org/presentationml/2006/main">
-  <p:cSld>
-    <p:spTree>
-      <p:nvGrpSpPr>
-        <p:cNvPr id="1" name=""/>
-        <p:cNvGrpSpPr/>
-        <p:nvPr/>
-      </p:nvGrpSpPr>
-      <p:grpSpPr>
-        <a:xfrm>
-          <a:off x="0" y="0"/>
-          <a:ext cx="0" cy="0"/>
-          <a:chOff x="0" y="0"/>
-          <a:chExt cx="0" cy="0"/>
-        </a:xfrm>
-      </p:grpSpPr>
-      <p:sp>
-        <p:nvSpPr>
-          <p:cNvPr id="2" name="Title 1">
-            <a:extLst>
-              <a:ext uri="{FF2B5EF4-FFF2-40B4-BE49-F238E27FC236}">
-                <a16:creationId xmlns:a16="http://schemas.microsoft.com/office/drawing/2014/main" id="{A41BBC51-4C24-5E79-D2AC-B2B0F6F298EC}"/>
-              </a:ext>
-            </a:extLst>
-          </p:cNvPr>
-          <p:cNvSpPr>
-            <a:spLocks noGrp="1"/>
-          </p:cNvSpPr>
-          <p:nvPr>
-            <p:ph type="title"/>
-          </p:nvPr>
-        </p:nvSpPr>
-        <p:spPr>
-          <a:xfrm>
-            <a:off x="838200" y="365125"/>
-            <a:ext cx="10515600" cy="1016635"/>
-          </a:xfrm>
-        </p:spPr>
-        <p:txBody>
-          <a:bodyPr/>
-          <a:lstStyle/>
-          <a:p>
-            <a:r>
-              <a:rPr lang="fr-FR" dirty="0"/>
-              <a:t>4 Integer Pool</a:t>
-            </a:r>
-          </a:p>
-        </p:txBody>
-      </p:sp>
-      <p:sp>
-        <p:nvSpPr>
-          <p:cNvPr id="7" name="Content Placeholder 6">
-            <a:extLst>
-              <a:ext uri="{FF2B5EF4-FFF2-40B4-BE49-F238E27FC236}">
-                <a16:creationId xmlns:a16="http://schemas.microsoft.com/office/drawing/2014/main" id="{1C7A86B7-B154-15FF-2D03-46EBF05AE35D}"/>
-              </a:ext>
-            </a:extLst>
-          </p:cNvPr>
-          <p:cNvSpPr>
-            <a:spLocks noGrp="1"/>
-          </p:cNvSpPr>
-          <p:nvPr>
-            <p:ph idx="1"/>
-          </p:nvPr>
-        </p:nvSpPr>
-        <p:spPr>
-          <a:xfrm>
-            <a:off x="838200" y="1381760"/>
-            <a:ext cx="10515600" cy="4795203"/>
-          </a:xfrm>
-        </p:spPr>
-        <p:txBody>
-          <a:bodyPr/>
-          <a:lstStyle/>
-          <a:p>
-            <a:r>
-              <a:rPr lang="fr-FR" dirty="0"/>
-              <a:t>Attention à l’autoboxing. Il crée des objets identiques dans le scope du cash et différents en dehors. L’utilisation dans les Collections est affectée</a:t>
-            </a:r>
-          </a:p>
-          <a:p>
-            <a:endParaRPr lang="fr-FR" dirty="0"/>
-          </a:p>
-        </p:txBody>
-      </p:sp>
-      <p:pic>
-        <p:nvPicPr>
-          <p:cNvPr id="9" name="Picture 8">
-            <a:extLst>
-              <a:ext uri="{FF2B5EF4-FFF2-40B4-BE49-F238E27FC236}">
-                <a16:creationId xmlns:a16="http://schemas.microsoft.com/office/drawing/2014/main" id="{AE9C65B1-B87E-B3F4-B2A2-DBCA815BD134}"/>
-              </a:ext>
-            </a:extLst>
-          </p:cNvPr>
-          <p:cNvPicPr>
-            <a:picLocks noChangeAspect="1"/>
-          </p:cNvPicPr>
-          <p:nvPr/>
-        </p:nvPicPr>
-        <p:blipFill>
-          <a:blip r:embed="rId2"/>
-          <a:stretch>
-            <a:fillRect/>
-          </a:stretch>
-        </p:blipFill>
-        <p:spPr>
-          <a:xfrm>
-            <a:off x="1014443" y="2703195"/>
-            <a:ext cx="7937741" cy="1940947"/>
-          </a:xfrm>
-          <a:prstGeom prst="rect">
-            <a:avLst/>
-          </a:prstGeom>
-        </p:spPr>
-      </p:pic>
-    </p:spTree>
-    <p:extLst>
-      <p:ext uri="{BB962C8B-B14F-4D97-AF65-F5344CB8AC3E}">
-        <p14:creationId xmlns:p14="http://schemas.microsoft.com/office/powerpoint/2010/main" val="4135371784"/>
       </p:ext>
     </p:extLst>
   </p:cSld>
@@ -9952,6 +10322,135 @@
 </file>
 
 <file path=ppt/slides/slide30.xml><?xml version="1.0" encoding="utf-8"?>
+<p:sld xmlns:a="http://schemas.openxmlformats.org/drawingml/2006/main" xmlns:r="http://schemas.openxmlformats.org/officeDocument/2006/relationships" xmlns:p="http://schemas.openxmlformats.org/presentationml/2006/main">
+  <p:cSld>
+    <p:spTree>
+      <p:nvGrpSpPr>
+        <p:cNvPr id="1" name=""/>
+        <p:cNvGrpSpPr/>
+        <p:nvPr/>
+      </p:nvGrpSpPr>
+      <p:grpSpPr>
+        <a:xfrm>
+          <a:off x="0" y="0"/>
+          <a:ext cx="0" cy="0"/>
+          <a:chOff x="0" y="0"/>
+          <a:chExt cx="0" cy="0"/>
+        </a:xfrm>
+      </p:grpSpPr>
+      <p:sp>
+        <p:nvSpPr>
+          <p:cNvPr id="2" name="Title 1">
+            <a:extLst>
+              <a:ext uri="{FF2B5EF4-FFF2-40B4-BE49-F238E27FC236}">
+                <a16:creationId xmlns:a16="http://schemas.microsoft.com/office/drawing/2014/main" id="{A41BBC51-4C24-5E79-D2AC-B2B0F6F298EC}"/>
+              </a:ext>
+            </a:extLst>
+          </p:cNvPr>
+          <p:cNvSpPr>
+            <a:spLocks noGrp="1"/>
+          </p:cNvSpPr>
+          <p:nvPr>
+            <p:ph type="title"/>
+          </p:nvPr>
+        </p:nvSpPr>
+        <p:spPr>
+          <a:xfrm>
+            <a:off x="838200" y="365125"/>
+            <a:ext cx="10515600" cy="1016635"/>
+          </a:xfrm>
+        </p:spPr>
+        <p:txBody>
+          <a:bodyPr/>
+          <a:lstStyle/>
+          <a:p>
+            <a:r>
+              <a:rPr lang="fr-FR" dirty="0"/>
+              <a:t>4 Integer Pool</a:t>
+            </a:r>
+          </a:p>
+        </p:txBody>
+      </p:sp>
+      <p:sp>
+        <p:nvSpPr>
+          <p:cNvPr id="7" name="Content Placeholder 6">
+            <a:extLst>
+              <a:ext uri="{FF2B5EF4-FFF2-40B4-BE49-F238E27FC236}">
+                <a16:creationId xmlns:a16="http://schemas.microsoft.com/office/drawing/2014/main" id="{1C7A86B7-B154-15FF-2D03-46EBF05AE35D}"/>
+              </a:ext>
+            </a:extLst>
+          </p:cNvPr>
+          <p:cNvSpPr>
+            <a:spLocks noGrp="1"/>
+          </p:cNvSpPr>
+          <p:nvPr>
+            <p:ph idx="1"/>
+          </p:nvPr>
+        </p:nvSpPr>
+        <p:spPr>
+          <a:xfrm>
+            <a:off x="838200" y="1381760"/>
+            <a:ext cx="10515600" cy="4795203"/>
+          </a:xfrm>
+        </p:spPr>
+        <p:txBody>
+          <a:bodyPr/>
+          <a:lstStyle/>
+          <a:p>
+            <a:r>
+              <a:rPr lang="fr-FR" dirty="0"/>
+              <a:t>Attention à l’autoboxing. Il crée des objets identiques dans le scope du cash et différents en dehors. L’utilisation dans les Collections est affectée</a:t>
+            </a:r>
+          </a:p>
+          <a:p>
+            <a:endParaRPr lang="fr-FR" dirty="0"/>
+          </a:p>
+        </p:txBody>
+      </p:sp>
+      <p:pic>
+        <p:nvPicPr>
+          <p:cNvPr id="9" name="Picture 8">
+            <a:extLst>
+              <a:ext uri="{FF2B5EF4-FFF2-40B4-BE49-F238E27FC236}">
+                <a16:creationId xmlns:a16="http://schemas.microsoft.com/office/drawing/2014/main" id="{AE9C65B1-B87E-B3F4-B2A2-DBCA815BD134}"/>
+              </a:ext>
+            </a:extLst>
+          </p:cNvPr>
+          <p:cNvPicPr>
+            <a:picLocks noChangeAspect="1"/>
+          </p:cNvPicPr>
+          <p:nvPr/>
+        </p:nvPicPr>
+        <p:blipFill>
+          <a:blip r:embed="rId2"/>
+          <a:stretch>
+            <a:fillRect/>
+          </a:stretch>
+        </p:blipFill>
+        <p:spPr>
+          <a:xfrm>
+            <a:off x="1014443" y="2703195"/>
+            <a:ext cx="7937741" cy="1940947"/>
+          </a:xfrm>
+          <a:prstGeom prst="rect">
+            <a:avLst/>
+          </a:prstGeom>
+        </p:spPr>
+      </p:pic>
+    </p:spTree>
+    <p:extLst>
+      <p:ext uri="{BB962C8B-B14F-4D97-AF65-F5344CB8AC3E}">
+        <p14:creationId xmlns:p14="http://schemas.microsoft.com/office/powerpoint/2010/main" val="4135371784"/>
+      </p:ext>
+    </p:extLst>
+  </p:cSld>
+  <p:clrMapOvr>
+    <a:masterClrMapping/>
+  </p:clrMapOvr>
+</p:sld>
+</file>
+
+<file path=ppt/slides/slide31.xml><?xml version="1.0" encoding="utf-8"?>
 <p:sld xmlns:a="http://schemas.openxmlformats.org/drawingml/2006/main" xmlns:r="http://schemas.openxmlformats.org/officeDocument/2006/relationships" xmlns:p="http://schemas.openxmlformats.org/presentationml/2006/main">
   <p:cSld>
     <p:spTree>
@@ -10969,6 +11468,9 @@
                     <p:cTn id="3" fill="hold">
                       <p:stCondLst>
                         <p:cond delay="indefinite"/>
+                        <p:cond evt="onBegin" delay="0">
+                          <p:tn val="2"/>
+                        </p:cond>
                       </p:stCondLst>
                       <p:childTnLst>
                         <p:par>
@@ -10978,7 +11480,7 @@
                             </p:stCondLst>
                             <p:childTnLst>
                               <p:par>
-                                <p:cTn id="5" presetID="1" presetClass="entr" presetSubtype="0" fill="hold" grpId="0" nodeType="clickEffect">
+                                <p:cTn id="5" presetID="1" presetClass="entr" presetSubtype="0" fill="hold" nodeType="withEffect">
                                   <p:stCondLst>
                                     <p:cond delay="0"/>
                                   </p:stCondLst>
@@ -10991,7 +11493,874 @@
                                           </p:stCondLst>
                                         </p:cTn>
                                         <p:tgtEl>
-                                          <p:spTgt spid="2"/>
+                                          <p:spTgt spid="7"/>
+                                        </p:tgtEl>
+                                        <p:attrNameLst>
+                                          <p:attrName>style.visibility</p:attrName>
+                                        </p:attrNameLst>
+                                      </p:cBhvr>
+                                      <p:to>
+                                        <p:strVal val="visible"/>
+                                      </p:to>
+                                    </p:set>
+                                  </p:childTnLst>
+                                </p:cTn>
+                              </p:par>
+                            </p:childTnLst>
+                          </p:cTn>
+                        </p:par>
+                      </p:childTnLst>
+                    </p:cTn>
+                  </p:par>
+                  <p:par>
+                    <p:cTn id="7" fill="hold">
+                      <p:stCondLst>
+                        <p:cond delay="indefinite"/>
+                      </p:stCondLst>
+                      <p:childTnLst>
+                        <p:par>
+                          <p:cTn id="8" fill="hold">
+                            <p:stCondLst>
+                              <p:cond delay="0"/>
+                            </p:stCondLst>
+                            <p:childTnLst>
+                              <p:par>
+                                <p:cTn id="9" presetID="1" presetClass="entr" presetSubtype="0" fill="hold" nodeType="clickEffect">
+                                  <p:stCondLst>
+                                    <p:cond delay="0"/>
+                                  </p:stCondLst>
+                                  <p:childTnLst>
+                                    <p:set>
+                                      <p:cBhvr>
+                                        <p:cTn id="10" dur="1" fill="hold">
+                                          <p:stCondLst>
+                                            <p:cond delay="0"/>
+                                          </p:stCondLst>
+                                        </p:cTn>
+                                        <p:tgtEl>
+                                          <p:spTgt spid="9"/>
+                                        </p:tgtEl>
+                                        <p:attrNameLst>
+                                          <p:attrName>style.visibility</p:attrName>
+                                        </p:attrNameLst>
+                                      </p:cBhvr>
+                                      <p:to>
+                                        <p:strVal val="visible"/>
+                                      </p:to>
+                                    </p:set>
+                                  </p:childTnLst>
+                                </p:cTn>
+                              </p:par>
+                            </p:childTnLst>
+                          </p:cTn>
+                        </p:par>
+                      </p:childTnLst>
+                    </p:cTn>
+                  </p:par>
+                  <p:par>
+                    <p:cTn id="11" fill="hold">
+                      <p:stCondLst>
+                        <p:cond delay="indefinite"/>
+                      </p:stCondLst>
+                      <p:childTnLst>
+                        <p:par>
+                          <p:cTn id="12" fill="hold">
+                            <p:stCondLst>
+                              <p:cond delay="0"/>
+                            </p:stCondLst>
+                            <p:childTnLst>
+                              <p:par>
+                                <p:cTn id="13" presetID="1" presetClass="entr" presetSubtype="0" fill="hold" nodeType="clickEffect">
+                                  <p:stCondLst>
+                                    <p:cond delay="0"/>
+                                  </p:stCondLst>
+                                  <p:childTnLst>
+                                    <p:set>
+                                      <p:cBhvr>
+                                        <p:cTn id="14" dur="1" fill="hold">
+                                          <p:stCondLst>
+                                            <p:cond delay="0"/>
+                                          </p:stCondLst>
+                                        </p:cTn>
+                                        <p:tgtEl>
+                                          <p:spTgt spid="10"/>
+                                        </p:tgtEl>
+                                        <p:attrNameLst>
+                                          <p:attrName>style.visibility</p:attrName>
+                                        </p:attrNameLst>
+                                      </p:cBhvr>
+                                      <p:to>
+                                        <p:strVal val="visible"/>
+                                      </p:to>
+                                    </p:set>
+                                  </p:childTnLst>
+                                </p:cTn>
+                              </p:par>
+                            </p:childTnLst>
+                          </p:cTn>
+                        </p:par>
+                      </p:childTnLst>
+                    </p:cTn>
+                  </p:par>
+                </p:childTnLst>
+              </p:cTn>
+              <p:prevCondLst>
+                <p:cond evt="onPrev" delay="0">
+                  <p:tgtEl>
+                    <p:sldTgt/>
+                  </p:tgtEl>
+                </p:cond>
+              </p:prevCondLst>
+              <p:nextCondLst>
+                <p:cond evt="onNext" delay="0">
+                  <p:tgtEl>
+                    <p:sldTgt/>
+                  </p:tgtEl>
+                </p:cond>
+              </p:nextCondLst>
+            </p:seq>
+          </p:childTnLst>
+        </p:cTn>
+      </p:par>
+    </p:tnLst>
+  </p:timing>
+</p:sld>
+</file>
+
+<file path=ppt/slides/slide7.xml><?xml version="1.0" encoding="utf-8"?>
+<p:sld xmlns:a="http://schemas.openxmlformats.org/drawingml/2006/main" xmlns:r="http://schemas.openxmlformats.org/officeDocument/2006/relationships" xmlns:p="http://schemas.openxmlformats.org/presentationml/2006/main">
+  <p:cSld>
+    <p:spTree>
+      <p:nvGrpSpPr>
+        <p:cNvPr id="1" name=""/>
+        <p:cNvGrpSpPr/>
+        <p:nvPr/>
+      </p:nvGrpSpPr>
+      <p:grpSpPr>
+        <a:xfrm>
+          <a:off x="0" y="0"/>
+          <a:ext cx="0" cy="0"/>
+          <a:chOff x="0" y="0"/>
+          <a:chExt cx="0" cy="0"/>
+        </a:xfrm>
+      </p:grpSpPr>
+      <p:sp>
+        <p:nvSpPr>
+          <p:cNvPr id="2" name="Title 1">
+            <a:extLst>
+              <a:ext uri="{FF2B5EF4-FFF2-40B4-BE49-F238E27FC236}">
+                <a16:creationId xmlns:a16="http://schemas.microsoft.com/office/drawing/2014/main" id="{0912643D-35F6-A8C7-EE17-48016301D977}"/>
+              </a:ext>
+            </a:extLst>
+          </p:cNvPr>
+          <p:cNvSpPr>
+            <a:spLocks noGrp="1"/>
+          </p:cNvSpPr>
+          <p:nvPr>
+            <p:ph type="title"/>
+          </p:nvPr>
+        </p:nvSpPr>
+        <p:spPr/>
+        <p:txBody>
+          <a:bodyPr/>
+          <a:lstStyle/>
+          <a:p>
+            <a:r>
+              <a:rPr lang="fr-FR" dirty="0"/>
+              <a:t>1.1 Stockage des entiers</a:t>
+            </a:r>
+          </a:p>
+        </p:txBody>
+      </p:sp>
+      <p:sp>
+        <p:nvSpPr>
+          <p:cNvPr id="3" name="Content Placeholder 2">
+            <a:extLst>
+              <a:ext uri="{FF2B5EF4-FFF2-40B4-BE49-F238E27FC236}">
+                <a16:creationId xmlns:a16="http://schemas.microsoft.com/office/drawing/2014/main" id="{7C7FEF38-EFE3-07E3-81F9-68C8324AB4C3}"/>
+              </a:ext>
+            </a:extLst>
+          </p:cNvPr>
+          <p:cNvSpPr>
+            <a:spLocks noGrp="1"/>
+          </p:cNvSpPr>
+          <p:nvPr>
+            <p:ph idx="1"/>
+          </p:nvPr>
+        </p:nvSpPr>
+        <p:spPr>
+          <a:xfrm>
+            <a:off x="838200" y="1825624"/>
+            <a:ext cx="10515600" cy="666563"/>
+          </a:xfrm>
+        </p:spPr>
+        <p:txBody>
+          <a:bodyPr>
+            <a:normAutofit/>
+          </a:bodyPr>
+          <a:lstStyle/>
+          <a:p>
+            <a:r>
+              <a:rPr lang="fr-FR" dirty="0"/>
+              <a:t>Integer sur 4 octets (même principe pour les autre primitives)</a:t>
+            </a:r>
+          </a:p>
+        </p:txBody>
+      </p:sp>
+      <p:pic>
+        <p:nvPicPr>
+          <p:cNvPr id="9" name="Picture 8">
+            <a:extLst>
+              <a:ext uri="{FF2B5EF4-FFF2-40B4-BE49-F238E27FC236}">
+                <a16:creationId xmlns:a16="http://schemas.microsoft.com/office/drawing/2014/main" id="{18CC0973-F23D-78BD-0719-4B5280785D86}"/>
+              </a:ext>
+            </a:extLst>
+          </p:cNvPr>
+          <p:cNvPicPr>
+            <a:picLocks noChangeAspect="1"/>
+          </p:cNvPicPr>
+          <p:nvPr/>
+        </p:nvPicPr>
+        <p:blipFill>
+          <a:blip r:embed="rId2"/>
+          <a:stretch>
+            <a:fillRect/>
+          </a:stretch>
+        </p:blipFill>
+        <p:spPr>
+          <a:xfrm>
+            <a:off x="838199" y="2393765"/>
+            <a:ext cx="9576259" cy="1325563"/>
+          </a:xfrm>
+          <a:prstGeom prst="rect">
+            <a:avLst/>
+          </a:prstGeom>
+        </p:spPr>
+      </p:pic>
+    </p:spTree>
+    <p:extLst>
+      <p:ext uri="{BB962C8B-B14F-4D97-AF65-F5344CB8AC3E}">
+        <p14:creationId xmlns:p14="http://schemas.microsoft.com/office/powerpoint/2010/main" val="2293833420"/>
+      </p:ext>
+    </p:extLst>
+  </p:cSld>
+  <p:clrMapOvr>
+    <a:masterClrMapping/>
+  </p:clrMapOvr>
+</p:sld>
+</file>
+
+<file path=ppt/slides/slide8.xml><?xml version="1.0" encoding="utf-8"?>
+<p:sld xmlns:a="http://schemas.openxmlformats.org/drawingml/2006/main" xmlns:r="http://schemas.openxmlformats.org/officeDocument/2006/relationships" xmlns:p="http://schemas.openxmlformats.org/presentationml/2006/main">
+  <p:cSld>
+    <p:spTree>
+      <p:nvGrpSpPr>
+        <p:cNvPr id="1" name=""/>
+        <p:cNvGrpSpPr/>
+        <p:nvPr/>
+      </p:nvGrpSpPr>
+      <p:grpSpPr>
+        <a:xfrm>
+          <a:off x="0" y="0"/>
+          <a:ext cx="0" cy="0"/>
+          <a:chOff x="0" y="0"/>
+          <a:chExt cx="0" cy="0"/>
+        </a:xfrm>
+      </p:grpSpPr>
+      <p:sp>
+        <p:nvSpPr>
+          <p:cNvPr id="2" name="Title 1">
+            <a:extLst>
+              <a:ext uri="{FF2B5EF4-FFF2-40B4-BE49-F238E27FC236}">
+                <a16:creationId xmlns:a16="http://schemas.microsoft.com/office/drawing/2014/main" id="{1BB93B16-8AED-9CB7-8680-5A92E448E70A}"/>
+              </a:ext>
+            </a:extLst>
+          </p:cNvPr>
+          <p:cNvSpPr>
+            <a:spLocks noGrp="1"/>
+          </p:cNvSpPr>
+          <p:nvPr>
+            <p:ph type="title"/>
+          </p:nvPr>
+        </p:nvSpPr>
+        <p:spPr/>
+        <p:txBody>
+          <a:bodyPr/>
+          <a:lstStyle/>
+          <a:p>
+            <a:r>
+              <a:rPr lang="fr-FR" dirty="0"/>
+              <a:t>1.1 Comportement aux limites des entiers</a:t>
+            </a:r>
+          </a:p>
+        </p:txBody>
+      </p:sp>
+      <p:sp>
+        <p:nvSpPr>
+          <p:cNvPr id="3" name="Content Placeholder 2">
+            <a:extLst>
+              <a:ext uri="{FF2B5EF4-FFF2-40B4-BE49-F238E27FC236}">
+                <a16:creationId xmlns:a16="http://schemas.microsoft.com/office/drawing/2014/main" id="{EF469B2D-B5FB-73AC-31FC-CF6CA7F1BC4E}"/>
+              </a:ext>
+            </a:extLst>
+          </p:cNvPr>
+          <p:cNvSpPr>
+            <a:spLocks noGrp="1"/>
+          </p:cNvSpPr>
+          <p:nvPr>
+            <p:ph idx="1"/>
+          </p:nvPr>
+        </p:nvSpPr>
+        <p:spPr>
+          <a:xfrm>
+            <a:off x="838200" y="1589088"/>
+            <a:ext cx="10515600" cy="486908"/>
+          </a:xfrm>
+        </p:spPr>
+        <p:txBody>
+          <a:bodyPr/>
+          <a:lstStyle/>
+          <a:p>
+            <a:r>
+              <a:rPr lang="fr-FR" dirty="0"/>
+              <a:t>un dépassement de capacité se traduit par une rotation :</a:t>
+            </a:r>
+          </a:p>
+        </p:txBody>
+      </p:sp>
+      <p:pic>
+        <p:nvPicPr>
+          <p:cNvPr id="5" name="Picture 4">
+            <a:extLst>
+              <a:ext uri="{FF2B5EF4-FFF2-40B4-BE49-F238E27FC236}">
+                <a16:creationId xmlns:a16="http://schemas.microsoft.com/office/drawing/2014/main" id="{B786A6B5-1ED9-CABC-1072-E9739AA21897}"/>
+              </a:ext>
+            </a:extLst>
+          </p:cNvPr>
+          <p:cNvPicPr>
+            <a:picLocks noChangeAspect="1"/>
+          </p:cNvPicPr>
+          <p:nvPr/>
+        </p:nvPicPr>
+        <p:blipFill>
+          <a:blip r:embed="rId2"/>
+          <a:stretch>
+            <a:fillRect/>
+          </a:stretch>
+        </p:blipFill>
+        <p:spPr>
+          <a:xfrm>
+            <a:off x="1117152" y="2207908"/>
+            <a:ext cx="8969157" cy="1362277"/>
+          </a:xfrm>
+          <a:prstGeom prst="rect">
+            <a:avLst/>
+          </a:prstGeom>
+        </p:spPr>
+      </p:pic>
+      <p:pic>
+        <p:nvPicPr>
+          <p:cNvPr id="7" name="Picture 6">
+            <a:extLst>
+              <a:ext uri="{FF2B5EF4-FFF2-40B4-BE49-F238E27FC236}">
+                <a16:creationId xmlns:a16="http://schemas.microsoft.com/office/drawing/2014/main" id="{4305F40D-7AF6-6F1A-33C7-5DB5172F7FD3}"/>
+              </a:ext>
+            </a:extLst>
+          </p:cNvPr>
+          <p:cNvPicPr>
+            <a:picLocks noChangeAspect="1"/>
+          </p:cNvPicPr>
+          <p:nvPr/>
+        </p:nvPicPr>
+        <p:blipFill>
+          <a:blip r:embed="rId3"/>
+          <a:stretch>
+            <a:fillRect/>
+          </a:stretch>
+        </p:blipFill>
+        <p:spPr>
+          <a:xfrm>
+            <a:off x="1117152" y="6161437"/>
+            <a:ext cx="7583031" cy="328270"/>
+          </a:xfrm>
+          <a:prstGeom prst="rect">
+            <a:avLst/>
+          </a:prstGeom>
+        </p:spPr>
+      </p:pic>
+      <p:pic>
+        <p:nvPicPr>
+          <p:cNvPr id="9" name="Picture 8">
+            <a:extLst>
+              <a:ext uri="{FF2B5EF4-FFF2-40B4-BE49-F238E27FC236}">
+                <a16:creationId xmlns:a16="http://schemas.microsoft.com/office/drawing/2014/main" id="{FECEC57E-2E14-7688-3446-2F2CA0A95056}"/>
+              </a:ext>
+            </a:extLst>
+          </p:cNvPr>
+          <p:cNvPicPr>
+            <a:picLocks noChangeAspect="1"/>
+          </p:cNvPicPr>
+          <p:nvPr/>
+        </p:nvPicPr>
+        <p:blipFill>
+          <a:blip r:embed="rId4"/>
+          <a:stretch>
+            <a:fillRect/>
+          </a:stretch>
+        </p:blipFill>
+        <p:spPr>
+          <a:xfrm>
+            <a:off x="1117151" y="4193743"/>
+            <a:ext cx="8969157" cy="1273467"/>
+          </a:xfrm>
+          <a:prstGeom prst="rect">
+            <a:avLst/>
+          </a:prstGeom>
+        </p:spPr>
+      </p:pic>
+      <p:sp>
+        <p:nvSpPr>
+          <p:cNvPr id="4" name="Content Placeholder 2">
+            <a:extLst>
+              <a:ext uri="{FF2B5EF4-FFF2-40B4-BE49-F238E27FC236}">
+                <a16:creationId xmlns:a16="http://schemas.microsoft.com/office/drawing/2014/main" id="{5FD86087-4FA3-6BCA-166E-473604ECD920}"/>
+              </a:ext>
+            </a:extLst>
+          </p:cNvPr>
+          <p:cNvSpPr txBox="1">
+            <a:spLocks/>
+          </p:cNvSpPr>
+          <p:nvPr/>
+        </p:nvSpPr>
+        <p:spPr>
+          <a:xfrm>
+            <a:off x="838200" y="3702097"/>
+            <a:ext cx="10515600" cy="486908"/>
+          </a:xfrm>
+          <a:prstGeom prst="rect">
+            <a:avLst/>
+          </a:prstGeom>
+        </p:spPr>
+        <p:txBody>
+          <a:bodyPr vert="horz" lIns="91440" tIns="45720" rIns="91440" bIns="45720" rtlCol="0">
+            <a:normAutofit/>
+          </a:bodyPr>
+          <a:lstStyle>
+            <a:lvl1pPr marL="228600" indent="-228600" algn="l" defTabSz="914400" rtl="0" eaLnBrk="1" latinLnBrk="0" hangingPunct="1">
+              <a:lnSpc>
+                <a:spcPct val="90000"/>
+              </a:lnSpc>
+              <a:spcBef>
+                <a:spcPts val="1000"/>
+              </a:spcBef>
+              <a:buFont typeface="Arial" panose="020B0604020202020204" pitchFamily="34" charset="0"/>
+              <a:buChar char="•"/>
+              <a:defRPr sz="2800" kern="1200">
+                <a:solidFill>
+                  <a:schemeClr val="tx1"/>
+                </a:solidFill>
+                <a:latin typeface="+mn-lt"/>
+                <a:ea typeface="+mn-ea"/>
+                <a:cs typeface="+mn-cs"/>
+              </a:defRPr>
+            </a:lvl1pPr>
+            <a:lvl2pPr marL="685800" indent="-228600" algn="l" defTabSz="914400" rtl="0" eaLnBrk="1" latinLnBrk="0" hangingPunct="1">
+              <a:lnSpc>
+                <a:spcPct val="90000"/>
+              </a:lnSpc>
+              <a:spcBef>
+                <a:spcPts val="500"/>
+              </a:spcBef>
+              <a:buFont typeface="Arial" panose="020B0604020202020204" pitchFamily="34" charset="0"/>
+              <a:buChar char="•"/>
+              <a:defRPr sz="2400" kern="1200">
+                <a:solidFill>
+                  <a:schemeClr val="tx1"/>
+                </a:solidFill>
+                <a:latin typeface="+mn-lt"/>
+                <a:ea typeface="+mn-ea"/>
+                <a:cs typeface="+mn-cs"/>
+              </a:defRPr>
+            </a:lvl2pPr>
+            <a:lvl3pPr marL="1143000" indent="-228600" algn="l" defTabSz="914400" rtl="0" eaLnBrk="1" latinLnBrk="0" hangingPunct="1">
+              <a:lnSpc>
+                <a:spcPct val="90000"/>
+              </a:lnSpc>
+              <a:spcBef>
+                <a:spcPts val="500"/>
+              </a:spcBef>
+              <a:buFont typeface="Arial" panose="020B0604020202020204" pitchFamily="34" charset="0"/>
+              <a:buChar char="•"/>
+              <a:defRPr sz="2000" kern="1200">
+                <a:solidFill>
+                  <a:schemeClr val="tx1"/>
+                </a:solidFill>
+                <a:latin typeface="+mn-lt"/>
+                <a:ea typeface="+mn-ea"/>
+                <a:cs typeface="+mn-cs"/>
+              </a:defRPr>
+            </a:lvl3pPr>
+            <a:lvl4pPr marL="1600200" indent="-228600" algn="l" defTabSz="914400" rtl="0" eaLnBrk="1" latinLnBrk="0" hangingPunct="1">
+              <a:lnSpc>
+                <a:spcPct val="90000"/>
+              </a:lnSpc>
+              <a:spcBef>
+                <a:spcPts val="500"/>
+              </a:spcBef>
+              <a:buFont typeface="Arial" panose="020B0604020202020204" pitchFamily="34" charset="0"/>
+              <a:buChar char="•"/>
+              <a:defRPr sz="1800" kern="1200">
+                <a:solidFill>
+                  <a:schemeClr val="tx1"/>
+                </a:solidFill>
+                <a:latin typeface="+mn-lt"/>
+                <a:ea typeface="+mn-ea"/>
+                <a:cs typeface="+mn-cs"/>
+              </a:defRPr>
+            </a:lvl4pPr>
+            <a:lvl5pPr marL="2057400" indent="-228600" algn="l" defTabSz="914400" rtl="0" eaLnBrk="1" latinLnBrk="0" hangingPunct="1">
+              <a:lnSpc>
+                <a:spcPct val="90000"/>
+              </a:lnSpc>
+              <a:spcBef>
+                <a:spcPts val="500"/>
+              </a:spcBef>
+              <a:buFont typeface="Arial" panose="020B0604020202020204" pitchFamily="34" charset="0"/>
+              <a:buChar char="•"/>
+              <a:defRPr sz="1800" kern="1200">
+                <a:solidFill>
+                  <a:schemeClr val="tx1"/>
+                </a:solidFill>
+                <a:latin typeface="+mn-lt"/>
+                <a:ea typeface="+mn-ea"/>
+                <a:cs typeface="+mn-cs"/>
+              </a:defRPr>
+            </a:lvl5pPr>
+            <a:lvl6pPr marL="2514600" indent="-228600" algn="l" defTabSz="914400" rtl="0" eaLnBrk="1" latinLnBrk="0" hangingPunct="1">
+              <a:lnSpc>
+                <a:spcPct val="90000"/>
+              </a:lnSpc>
+              <a:spcBef>
+                <a:spcPts val="500"/>
+              </a:spcBef>
+              <a:buFont typeface="Arial" panose="020B0604020202020204" pitchFamily="34" charset="0"/>
+              <a:buChar char="•"/>
+              <a:defRPr sz="1800" kern="1200">
+                <a:solidFill>
+                  <a:schemeClr val="tx1"/>
+                </a:solidFill>
+                <a:latin typeface="+mn-lt"/>
+                <a:ea typeface="+mn-ea"/>
+                <a:cs typeface="+mn-cs"/>
+              </a:defRPr>
+            </a:lvl6pPr>
+            <a:lvl7pPr marL="2971800" indent="-228600" algn="l" defTabSz="914400" rtl="0" eaLnBrk="1" latinLnBrk="0" hangingPunct="1">
+              <a:lnSpc>
+                <a:spcPct val="90000"/>
+              </a:lnSpc>
+              <a:spcBef>
+                <a:spcPts val="500"/>
+              </a:spcBef>
+              <a:buFont typeface="Arial" panose="020B0604020202020204" pitchFamily="34" charset="0"/>
+              <a:buChar char="•"/>
+              <a:defRPr sz="1800" kern="1200">
+                <a:solidFill>
+                  <a:schemeClr val="tx1"/>
+                </a:solidFill>
+                <a:latin typeface="+mn-lt"/>
+                <a:ea typeface="+mn-ea"/>
+                <a:cs typeface="+mn-cs"/>
+              </a:defRPr>
+            </a:lvl7pPr>
+            <a:lvl8pPr marL="3429000" indent="-228600" algn="l" defTabSz="914400" rtl="0" eaLnBrk="1" latinLnBrk="0" hangingPunct="1">
+              <a:lnSpc>
+                <a:spcPct val="90000"/>
+              </a:lnSpc>
+              <a:spcBef>
+                <a:spcPts val="500"/>
+              </a:spcBef>
+              <a:buFont typeface="Arial" panose="020B0604020202020204" pitchFamily="34" charset="0"/>
+              <a:buChar char="•"/>
+              <a:defRPr sz="1800" kern="1200">
+                <a:solidFill>
+                  <a:schemeClr val="tx1"/>
+                </a:solidFill>
+                <a:latin typeface="+mn-lt"/>
+                <a:ea typeface="+mn-ea"/>
+                <a:cs typeface="+mn-cs"/>
+              </a:defRPr>
+            </a:lvl8pPr>
+            <a:lvl9pPr marL="3886200" indent="-228600" algn="l" defTabSz="914400" rtl="0" eaLnBrk="1" latinLnBrk="0" hangingPunct="1">
+              <a:lnSpc>
+                <a:spcPct val="90000"/>
+              </a:lnSpc>
+              <a:spcBef>
+                <a:spcPts val="500"/>
+              </a:spcBef>
+              <a:buFont typeface="Arial" panose="020B0604020202020204" pitchFamily="34" charset="0"/>
+              <a:buChar char="•"/>
+              <a:defRPr sz="1800" kern="1200">
+                <a:solidFill>
+                  <a:schemeClr val="tx1"/>
+                </a:solidFill>
+                <a:latin typeface="+mn-lt"/>
+                <a:ea typeface="+mn-ea"/>
+                <a:cs typeface="+mn-cs"/>
+              </a:defRPr>
+            </a:lvl9pPr>
+          </a:lstStyle>
+          <a:p>
+            <a:r>
+              <a:rPr lang="fr-FR" dirty="0"/>
+              <a:t>la négation des MIN_VALUE ne fonctionne pas !! :</a:t>
+            </a:r>
+          </a:p>
+        </p:txBody>
+      </p:sp>
+      <p:sp>
+        <p:nvSpPr>
+          <p:cNvPr id="6" name="Content Placeholder 2">
+            <a:extLst>
+              <a:ext uri="{FF2B5EF4-FFF2-40B4-BE49-F238E27FC236}">
+                <a16:creationId xmlns:a16="http://schemas.microsoft.com/office/drawing/2014/main" id="{2A8FF186-1BBB-DA89-D0D8-3DB030454A75}"/>
+              </a:ext>
+            </a:extLst>
+          </p:cNvPr>
+          <p:cNvSpPr txBox="1">
+            <a:spLocks/>
+          </p:cNvSpPr>
+          <p:nvPr/>
+        </p:nvSpPr>
+        <p:spPr>
+          <a:xfrm>
+            <a:off x="838200" y="5552316"/>
+            <a:ext cx="10515600" cy="486908"/>
+          </a:xfrm>
+          <a:prstGeom prst="rect">
+            <a:avLst/>
+          </a:prstGeom>
+        </p:spPr>
+        <p:txBody>
+          <a:bodyPr vert="horz" lIns="91440" tIns="45720" rIns="91440" bIns="45720" rtlCol="0">
+            <a:normAutofit/>
+          </a:bodyPr>
+          <a:lstStyle>
+            <a:lvl1pPr marL="228600" indent="-228600" algn="l" defTabSz="914400" rtl="0" eaLnBrk="1" latinLnBrk="0" hangingPunct="1">
+              <a:lnSpc>
+                <a:spcPct val="90000"/>
+              </a:lnSpc>
+              <a:spcBef>
+                <a:spcPts val="1000"/>
+              </a:spcBef>
+              <a:buFont typeface="Arial" panose="020B0604020202020204" pitchFamily="34" charset="0"/>
+              <a:buChar char="•"/>
+              <a:defRPr sz="2800" kern="1200">
+                <a:solidFill>
+                  <a:schemeClr val="tx1"/>
+                </a:solidFill>
+                <a:latin typeface="+mn-lt"/>
+                <a:ea typeface="+mn-ea"/>
+                <a:cs typeface="+mn-cs"/>
+              </a:defRPr>
+            </a:lvl1pPr>
+            <a:lvl2pPr marL="685800" indent="-228600" algn="l" defTabSz="914400" rtl="0" eaLnBrk="1" latinLnBrk="0" hangingPunct="1">
+              <a:lnSpc>
+                <a:spcPct val="90000"/>
+              </a:lnSpc>
+              <a:spcBef>
+                <a:spcPts val="500"/>
+              </a:spcBef>
+              <a:buFont typeface="Arial" panose="020B0604020202020204" pitchFamily="34" charset="0"/>
+              <a:buChar char="•"/>
+              <a:defRPr sz="2400" kern="1200">
+                <a:solidFill>
+                  <a:schemeClr val="tx1"/>
+                </a:solidFill>
+                <a:latin typeface="+mn-lt"/>
+                <a:ea typeface="+mn-ea"/>
+                <a:cs typeface="+mn-cs"/>
+              </a:defRPr>
+            </a:lvl2pPr>
+            <a:lvl3pPr marL="1143000" indent="-228600" algn="l" defTabSz="914400" rtl="0" eaLnBrk="1" latinLnBrk="0" hangingPunct="1">
+              <a:lnSpc>
+                <a:spcPct val="90000"/>
+              </a:lnSpc>
+              <a:spcBef>
+                <a:spcPts val="500"/>
+              </a:spcBef>
+              <a:buFont typeface="Arial" panose="020B0604020202020204" pitchFamily="34" charset="0"/>
+              <a:buChar char="•"/>
+              <a:defRPr sz="2000" kern="1200">
+                <a:solidFill>
+                  <a:schemeClr val="tx1"/>
+                </a:solidFill>
+                <a:latin typeface="+mn-lt"/>
+                <a:ea typeface="+mn-ea"/>
+                <a:cs typeface="+mn-cs"/>
+              </a:defRPr>
+            </a:lvl3pPr>
+            <a:lvl4pPr marL="1600200" indent="-228600" algn="l" defTabSz="914400" rtl="0" eaLnBrk="1" latinLnBrk="0" hangingPunct="1">
+              <a:lnSpc>
+                <a:spcPct val="90000"/>
+              </a:lnSpc>
+              <a:spcBef>
+                <a:spcPts val="500"/>
+              </a:spcBef>
+              <a:buFont typeface="Arial" panose="020B0604020202020204" pitchFamily="34" charset="0"/>
+              <a:buChar char="•"/>
+              <a:defRPr sz="1800" kern="1200">
+                <a:solidFill>
+                  <a:schemeClr val="tx1"/>
+                </a:solidFill>
+                <a:latin typeface="+mn-lt"/>
+                <a:ea typeface="+mn-ea"/>
+                <a:cs typeface="+mn-cs"/>
+              </a:defRPr>
+            </a:lvl4pPr>
+            <a:lvl5pPr marL="2057400" indent="-228600" algn="l" defTabSz="914400" rtl="0" eaLnBrk="1" latinLnBrk="0" hangingPunct="1">
+              <a:lnSpc>
+                <a:spcPct val="90000"/>
+              </a:lnSpc>
+              <a:spcBef>
+                <a:spcPts val="500"/>
+              </a:spcBef>
+              <a:buFont typeface="Arial" panose="020B0604020202020204" pitchFamily="34" charset="0"/>
+              <a:buChar char="•"/>
+              <a:defRPr sz="1800" kern="1200">
+                <a:solidFill>
+                  <a:schemeClr val="tx1"/>
+                </a:solidFill>
+                <a:latin typeface="+mn-lt"/>
+                <a:ea typeface="+mn-ea"/>
+                <a:cs typeface="+mn-cs"/>
+              </a:defRPr>
+            </a:lvl5pPr>
+            <a:lvl6pPr marL="2514600" indent="-228600" algn="l" defTabSz="914400" rtl="0" eaLnBrk="1" latinLnBrk="0" hangingPunct="1">
+              <a:lnSpc>
+                <a:spcPct val="90000"/>
+              </a:lnSpc>
+              <a:spcBef>
+                <a:spcPts val="500"/>
+              </a:spcBef>
+              <a:buFont typeface="Arial" panose="020B0604020202020204" pitchFamily="34" charset="0"/>
+              <a:buChar char="•"/>
+              <a:defRPr sz="1800" kern="1200">
+                <a:solidFill>
+                  <a:schemeClr val="tx1"/>
+                </a:solidFill>
+                <a:latin typeface="+mn-lt"/>
+                <a:ea typeface="+mn-ea"/>
+                <a:cs typeface="+mn-cs"/>
+              </a:defRPr>
+            </a:lvl6pPr>
+            <a:lvl7pPr marL="2971800" indent="-228600" algn="l" defTabSz="914400" rtl="0" eaLnBrk="1" latinLnBrk="0" hangingPunct="1">
+              <a:lnSpc>
+                <a:spcPct val="90000"/>
+              </a:lnSpc>
+              <a:spcBef>
+                <a:spcPts val="500"/>
+              </a:spcBef>
+              <a:buFont typeface="Arial" panose="020B0604020202020204" pitchFamily="34" charset="0"/>
+              <a:buChar char="•"/>
+              <a:defRPr sz="1800" kern="1200">
+                <a:solidFill>
+                  <a:schemeClr val="tx1"/>
+                </a:solidFill>
+                <a:latin typeface="+mn-lt"/>
+                <a:ea typeface="+mn-ea"/>
+                <a:cs typeface="+mn-cs"/>
+              </a:defRPr>
+            </a:lvl7pPr>
+            <a:lvl8pPr marL="3429000" indent="-228600" algn="l" defTabSz="914400" rtl="0" eaLnBrk="1" latinLnBrk="0" hangingPunct="1">
+              <a:lnSpc>
+                <a:spcPct val="90000"/>
+              </a:lnSpc>
+              <a:spcBef>
+                <a:spcPts val="500"/>
+              </a:spcBef>
+              <a:buFont typeface="Arial" panose="020B0604020202020204" pitchFamily="34" charset="0"/>
+              <a:buChar char="•"/>
+              <a:defRPr sz="1800" kern="1200">
+                <a:solidFill>
+                  <a:schemeClr val="tx1"/>
+                </a:solidFill>
+                <a:latin typeface="+mn-lt"/>
+                <a:ea typeface="+mn-ea"/>
+                <a:cs typeface="+mn-cs"/>
+              </a:defRPr>
+            </a:lvl8pPr>
+            <a:lvl9pPr marL="3886200" indent="-228600" algn="l" defTabSz="914400" rtl="0" eaLnBrk="1" latinLnBrk="0" hangingPunct="1">
+              <a:lnSpc>
+                <a:spcPct val="90000"/>
+              </a:lnSpc>
+              <a:spcBef>
+                <a:spcPts val="500"/>
+              </a:spcBef>
+              <a:buFont typeface="Arial" panose="020B0604020202020204" pitchFamily="34" charset="0"/>
+              <a:buChar char="•"/>
+              <a:defRPr sz="1800" kern="1200">
+                <a:solidFill>
+                  <a:schemeClr val="tx1"/>
+                </a:solidFill>
+                <a:latin typeface="+mn-lt"/>
+                <a:ea typeface="+mn-ea"/>
+                <a:cs typeface="+mn-cs"/>
+              </a:defRPr>
+            </a:lvl9pPr>
+          </a:lstStyle>
+          <a:p>
+            <a:r>
+              <a:rPr lang="fr-FR" dirty="0"/>
+              <a:t>une division par zéro engendre une exception :</a:t>
+            </a:r>
+          </a:p>
+        </p:txBody>
+      </p:sp>
+    </p:spTree>
+    <p:extLst>
+      <p:ext uri="{BB962C8B-B14F-4D97-AF65-F5344CB8AC3E}">
+        <p14:creationId xmlns:p14="http://schemas.microsoft.com/office/powerpoint/2010/main" val="3599076108"/>
+      </p:ext>
+    </p:extLst>
+  </p:cSld>
+  <p:clrMapOvr>
+    <a:masterClrMapping/>
+  </p:clrMapOvr>
+  <p:timing>
+    <p:tnLst>
+      <p:par>
+        <p:cTn id="1" dur="indefinite" restart="never" nodeType="tmRoot">
+          <p:childTnLst>
+            <p:seq concurrent="1" nextAc="seek">
+              <p:cTn id="2" dur="indefinite" nodeType="mainSeq">
+                <p:childTnLst>
+                  <p:par>
+                    <p:cTn id="3" fill="hold">
+                      <p:stCondLst>
+                        <p:cond delay="indefinite"/>
+                      </p:stCondLst>
+                      <p:childTnLst>
+                        <p:par>
+                          <p:cTn id="4" fill="hold">
+                            <p:stCondLst>
+                              <p:cond delay="0"/>
+                            </p:stCondLst>
+                            <p:childTnLst>
+                              <p:par>
+                                <p:cTn id="5" presetID="1" presetClass="entr" presetSubtype="0" fill="hold" nodeType="clickEffect">
+                                  <p:stCondLst>
+                                    <p:cond delay="0"/>
+                                  </p:stCondLst>
+                                  <p:childTnLst>
+                                    <p:set>
+                                      <p:cBhvr>
+                                        <p:cTn id="6" dur="1" fill="hold">
+                                          <p:stCondLst>
+                                            <p:cond delay="0"/>
+                                          </p:stCondLst>
+                                        </p:cTn>
+                                        <p:tgtEl>
+                                          <p:spTgt spid="5"/>
                                         </p:tgtEl>
                                         <p:attrNameLst>
                                           <p:attrName>style.visibility</p:attrName>
@@ -11005,7 +12374,7 @@
                                 </p:cTn>
                               </p:par>
                               <p:par>
-                                <p:cTn id="7" presetID="1" presetClass="entr" presetSubtype="0" fill="hold" nodeType="withEffect">
+                                <p:cTn id="7" presetID="1" presetClass="entr" presetSubtype="0" fill="hold" grpId="0" nodeType="withEffect">
                                   <p:stCondLst>
                                     <p:cond delay="0"/>
                                   </p:stCondLst>
@@ -11018,7 +12387,7 @@
                                           </p:stCondLst>
                                         </p:cTn>
                                         <p:tgtEl>
-                                          <p:spTgt spid="7"/>
+                                          <p:spTgt spid="4"/>
                                         </p:tgtEl>
                                         <p:attrNameLst>
                                           <p:attrName>style.visibility</p:attrName>
@@ -11076,6 +12445,33 @@
                                   </p:childTnLst>
                                 </p:cTn>
                               </p:par>
+                              <p:par>
+                                <p:cTn id="13" presetID="1" presetClass="entr" presetSubtype="0" fill="hold" grpId="0" nodeType="withEffect">
+                                  <p:stCondLst>
+                                    <p:cond delay="0"/>
+                                  </p:stCondLst>
+                                  <p:childTnLst>
+                                    <p:set>
+                                      <p:cBhvr>
+                                        <p:cTn id="14" dur="1" fill="hold">
+                                          <p:stCondLst>
+                                            <p:cond delay="0"/>
+                                          </p:stCondLst>
+                                        </p:cTn>
+                                        <p:tgtEl>
+                                          <p:spTgt spid="6"/>
+                                        </p:tgtEl>
+                                        <p:attrNameLst>
+                                          <p:attrName>style.visibility</p:attrName>
+                                        </p:attrNameLst>
+                                      </p:cBhvr>
+                                      <p:to>
+                                        <p:strVal val="visible"/>
+                                      </p:to>
+                                    </p:set>
+                                  </p:childTnLst>
+                                </p:cTn>
+                              </p:par>
                             </p:childTnLst>
                           </p:cTn>
                         </p:par>
@@ -11083,32 +12479,32 @@
                     </p:cTn>
                   </p:par>
                   <p:par>
-                    <p:cTn id="13" fill="hold">
+                    <p:cTn id="15" fill="hold">
                       <p:stCondLst>
                         <p:cond delay="indefinite"/>
                       </p:stCondLst>
                       <p:childTnLst>
                         <p:par>
-                          <p:cTn id="14" fill="hold">
+                          <p:cTn id="16" fill="hold">
                             <p:stCondLst>
                               <p:cond delay="0"/>
                             </p:stCondLst>
                             <p:childTnLst>
                               <p:par>
-                                <p:cTn id="15" presetID="1" presetClass="entr" presetSubtype="0" fill="hold" nodeType="clickEffect">
+                                <p:cTn id="17" presetID="1" presetClass="entr" presetSubtype="0" fill="hold" nodeType="clickEffect">
                                   <p:stCondLst>
                                     <p:cond delay="0"/>
                                   </p:stCondLst>
                                   <p:childTnLst>
                                     <p:set>
                                       <p:cBhvr>
-                                        <p:cTn id="16" dur="1" fill="hold">
+                                        <p:cTn id="18" dur="1" fill="hold">
                                           <p:stCondLst>
                                             <p:cond delay="0"/>
                                           </p:stCondLst>
                                         </p:cTn>
                                         <p:tgtEl>
-                                          <p:spTgt spid="10"/>
+                                          <p:spTgt spid="7"/>
                                         </p:tgtEl>
                                         <p:attrNameLst>
                                           <p:attrName>style.visibility</p:attrName>
@@ -11149,227 +12545,14 @@
       </p:par>
     </p:tnLst>
     <p:bldLst>
-      <p:bldP spid="2" grpId="0"/>
+      <p:bldP spid="4" grpId="0"/>
+      <p:bldP spid="6" grpId="0"/>
     </p:bldLst>
   </p:timing>
 </p:sld>
 </file>
 
-<file path=ppt/slides/slide7.xml><?xml version="1.0" encoding="utf-8"?>
-<p:sld xmlns:a="http://schemas.openxmlformats.org/drawingml/2006/main" xmlns:r="http://schemas.openxmlformats.org/officeDocument/2006/relationships" xmlns:p="http://schemas.openxmlformats.org/presentationml/2006/main">
-  <p:cSld>
-    <p:spTree>
-      <p:nvGrpSpPr>
-        <p:cNvPr id="1" name=""/>
-        <p:cNvGrpSpPr/>
-        <p:nvPr/>
-      </p:nvGrpSpPr>
-      <p:grpSpPr>
-        <a:xfrm>
-          <a:off x="0" y="0"/>
-          <a:ext cx="0" cy="0"/>
-          <a:chOff x="0" y="0"/>
-          <a:chExt cx="0" cy="0"/>
-        </a:xfrm>
-      </p:grpSpPr>
-      <p:sp>
-        <p:nvSpPr>
-          <p:cNvPr id="2" name="Title 1">
-            <a:extLst>
-              <a:ext uri="{FF2B5EF4-FFF2-40B4-BE49-F238E27FC236}">
-                <a16:creationId xmlns:a16="http://schemas.microsoft.com/office/drawing/2014/main" id="{1BB93B16-8AED-9CB7-8680-5A92E448E70A}"/>
-              </a:ext>
-            </a:extLst>
-          </p:cNvPr>
-          <p:cNvSpPr>
-            <a:spLocks noGrp="1"/>
-          </p:cNvSpPr>
-          <p:nvPr>
-            <p:ph type="title"/>
-          </p:nvPr>
-        </p:nvSpPr>
-        <p:spPr/>
-        <p:txBody>
-          <a:bodyPr/>
-          <a:lstStyle/>
-          <a:p>
-            <a:r>
-              <a:rPr lang="fr-FR" dirty="0"/>
-              <a:t>1.1 Comportement aux limites des entiers</a:t>
-            </a:r>
-          </a:p>
-        </p:txBody>
-      </p:sp>
-      <p:sp>
-        <p:nvSpPr>
-          <p:cNvPr id="3" name="Content Placeholder 2">
-            <a:extLst>
-              <a:ext uri="{FF2B5EF4-FFF2-40B4-BE49-F238E27FC236}">
-                <a16:creationId xmlns:a16="http://schemas.microsoft.com/office/drawing/2014/main" id="{EF469B2D-B5FB-73AC-31FC-CF6CA7F1BC4E}"/>
-              </a:ext>
-            </a:extLst>
-          </p:cNvPr>
-          <p:cNvSpPr>
-            <a:spLocks noGrp="1"/>
-          </p:cNvSpPr>
-          <p:nvPr>
-            <p:ph idx="1"/>
-          </p:nvPr>
-        </p:nvSpPr>
-        <p:spPr>
-          <a:xfrm>
-            <a:off x="838200" y="1589088"/>
-            <a:ext cx="10515600" cy="4706004"/>
-          </a:xfrm>
-        </p:spPr>
-        <p:txBody>
-          <a:bodyPr/>
-          <a:lstStyle/>
-          <a:p>
-            <a:r>
-              <a:rPr lang="fr-FR" dirty="0"/>
-              <a:t>un dépassement de capacité se traduit par une rotation :</a:t>
-            </a:r>
-          </a:p>
-          <a:p>
-            <a:endParaRPr lang="fr-FR" dirty="0"/>
-          </a:p>
-          <a:p>
-            <a:endParaRPr lang="fr-FR" dirty="0"/>
-          </a:p>
-          <a:p>
-            <a:endParaRPr lang="fr-FR" dirty="0"/>
-          </a:p>
-          <a:p>
-            <a:r>
-              <a:rPr lang="fr-FR" dirty="0"/>
-              <a:t>La négation des MIN_VALUE ne fonctionne pas !! :</a:t>
-            </a:r>
-          </a:p>
-          <a:p>
-            <a:endParaRPr lang="fr-FR" dirty="0"/>
-          </a:p>
-          <a:p>
-            <a:endParaRPr lang="fr-FR" dirty="0"/>
-          </a:p>
-          <a:p>
-            <a:endParaRPr lang="fr-FR" dirty="0"/>
-          </a:p>
-          <a:p>
-            <a:r>
-              <a:rPr lang="fr-FR" dirty="0"/>
-              <a:t>Une division par zéro engendre une exception :</a:t>
-            </a:r>
-          </a:p>
-          <a:p>
-            <a:endParaRPr lang="fr-FR" dirty="0"/>
-          </a:p>
-        </p:txBody>
-      </p:sp>
-      <p:pic>
-        <p:nvPicPr>
-          <p:cNvPr id="5" name="Picture 4">
-            <a:extLst>
-              <a:ext uri="{FF2B5EF4-FFF2-40B4-BE49-F238E27FC236}">
-                <a16:creationId xmlns:a16="http://schemas.microsoft.com/office/drawing/2014/main" id="{B786A6B5-1ED9-CABC-1072-E9739AA21897}"/>
-              </a:ext>
-            </a:extLst>
-          </p:cNvPr>
-          <p:cNvPicPr>
-            <a:picLocks noChangeAspect="1"/>
-          </p:cNvPicPr>
-          <p:nvPr/>
-        </p:nvPicPr>
-        <p:blipFill>
-          <a:blip r:embed="rId2"/>
-          <a:stretch>
-            <a:fillRect/>
-          </a:stretch>
-        </p:blipFill>
-        <p:spPr>
-          <a:xfrm>
-            <a:off x="1117152" y="2207908"/>
-            <a:ext cx="8969157" cy="1362277"/>
-          </a:xfrm>
-          <a:prstGeom prst="rect">
-            <a:avLst/>
-          </a:prstGeom>
-        </p:spPr>
-      </p:pic>
-      <p:pic>
-        <p:nvPicPr>
-          <p:cNvPr id="7" name="Picture 6">
-            <a:extLst>
-              <a:ext uri="{FF2B5EF4-FFF2-40B4-BE49-F238E27FC236}">
-                <a16:creationId xmlns:a16="http://schemas.microsoft.com/office/drawing/2014/main" id="{4305F40D-7AF6-6F1A-33C7-5DB5172F7FD3}"/>
-              </a:ext>
-            </a:extLst>
-          </p:cNvPr>
-          <p:cNvPicPr>
-            <a:picLocks noChangeAspect="1"/>
-          </p:cNvPicPr>
-          <p:nvPr/>
-        </p:nvPicPr>
-        <p:blipFill>
-          <a:blip r:embed="rId3"/>
-          <a:stretch>
-            <a:fillRect/>
-          </a:stretch>
-        </p:blipFill>
-        <p:spPr>
-          <a:xfrm>
-            <a:off x="1117152" y="6161437"/>
-            <a:ext cx="7583031" cy="328270"/>
-          </a:xfrm>
-          <a:prstGeom prst="rect">
-            <a:avLst/>
-          </a:prstGeom>
-        </p:spPr>
-      </p:pic>
-      <p:pic>
-        <p:nvPicPr>
-          <p:cNvPr id="9" name="Picture 8">
-            <a:extLst>
-              <a:ext uri="{FF2B5EF4-FFF2-40B4-BE49-F238E27FC236}">
-                <a16:creationId xmlns:a16="http://schemas.microsoft.com/office/drawing/2014/main" id="{FECEC57E-2E14-7688-3446-2F2CA0A95056}"/>
-              </a:ext>
-            </a:extLst>
-          </p:cNvPr>
-          <p:cNvPicPr>
-            <a:picLocks noChangeAspect="1"/>
-          </p:cNvPicPr>
-          <p:nvPr/>
-        </p:nvPicPr>
-        <p:blipFill>
-          <a:blip r:embed="rId4"/>
-          <a:stretch>
-            <a:fillRect/>
-          </a:stretch>
-        </p:blipFill>
-        <p:spPr>
-          <a:xfrm>
-            <a:off x="1117151" y="4193743"/>
-            <a:ext cx="8969157" cy="1273467"/>
-          </a:xfrm>
-          <a:prstGeom prst="rect">
-            <a:avLst/>
-          </a:prstGeom>
-        </p:spPr>
-      </p:pic>
-    </p:spTree>
-    <p:extLst>
-      <p:ext uri="{BB962C8B-B14F-4D97-AF65-F5344CB8AC3E}">
-        <p14:creationId xmlns:p14="http://schemas.microsoft.com/office/powerpoint/2010/main" val="3599076108"/>
-      </p:ext>
-    </p:extLst>
-  </p:cSld>
-  <p:clrMapOvr>
-    <a:masterClrMapping/>
-  </p:clrMapOvr>
-</p:sld>
-</file>
-
-<file path=ppt/slides/slide8.xml><?xml version="1.0" encoding="utf-8"?>
+<file path=ppt/slides/slide9.xml><?xml version="1.0" encoding="utf-8"?>
 <p:sld xmlns:a="http://schemas.openxmlformats.org/drawingml/2006/main" xmlns:r="http://schemas.openxmlformats.org/officeDocument/2006/relationships" xmlns:p="http://schemas.openxmlformats.org/presentationml/2006/main">
   <p:cSld>
     <p:spTree>
@@ -11769,173 +12952,132 @@
   <p:clrMapOvr>
     <a:masterClrMapping/>
   </p:clrMapOvr>
-</p:sld>
-</file>
-
-<file path=ppt/slides/slide9.xml><?xml version="1.0" encoding="utf-8"?>
-<p:sld xmlns:a="http://schemas.openxmlformats.org/drawingml/2006/main" xmlns:r="http://schemas.openxmlformats.org/officeDocument/2006/relationships" xmlns:p="http://schemas.openxmlformats.org/presentationml/2006/main">
-  <p:cSld>
-    <p:spTree>
-      <p:nvGrpSpPr>
-        <p:cNvPr id="1" name=""/>
-        <p:cNvGrpSpPr/>
-        <p:nvPr/>
-      </p:nvGrpSpPr>
-      <p:grpSpPr>
-        <a:xfrm>
-          <a:off x="0" y="0"/>
-          <a:ext cx="0" cy="0"/>
-          <a:chOff x="0" y="0"/>
-          <a:chExt cx="0" cy="0"/>
-        </a:xfrm>
-      </p:grpSpPr>
-      <p:sp>
-        <p:nvSpPr>
-          <p:cNvPr id="2" name="Title 1">
-            <a:extLst>
-              <a:ext uri="{FF2B5EF4-FFF2-40B4-BE49-F238E27FC236}">
-                <a16:creationId xmlns:a16="http://schemas.microsoft.com/office/drawing/2014/main" id="{8B6A4E27-F99E-9298-CCD8-E20821D22134}"/>
-              </a:ext>
-            </a:extLst>
-          </p:cNvPr>
-          <p:cNvSpPr>
-            <a:spLocks noGrp="1"/>
-          </p:cNvSpPr>
-          <p:nvPr>
-            <p:ph type="title"/>
-          </p:nvPr>
-        </p:nvSpPr>
-        <p:spPr>
-          <a:xfrm>
-            <a:off x="838200" y="138421"/>
-            <a:ext cx="10515600" cy="1325563"/>
-          </a:xfrm>
-        </p:spPr>
-        <p:txBody>
-          <a:bodyPr/>
-          <a:lstStyle/>
-          <a:p>
-            <a:r>
-              <a:rPr lang="fr-FR" dirty="0"/>
-              <a:t>1.2 Préférez les entiers pour les additions</a:t>
-            </a:r>
-          </a:p>
-        </p:txBody>
-      </p:sp>
-      <p:sp>
-        <p:nvSpPr>
-          <p:cNvPr id="3" name="Content Placeholder 2">
-            <a:extLst>
-              <a:ext uri="{FF2B5EF4-FFF2-40B4-BE49-F238E27FC236}">
-                <a16:creationId xmlns:a16="http://schemas.microsoft.com/office/drawing/2014/main" id="{16037DFF-68BC-EAF2-0B1E-DD0A9DBEBA02}"/>
-              </a:ext>
-            </a:extLst>
-          </p:cNvPr>
-          <p:cNvSpPr>
-            <a:spLocks noGrp="1"/>
-          </p:cNvSpPr>
-          <p:nvPr>
-            <p:ph idx="1"/>
-          </p:nvPr>
-        </p:nvSpPr>
-        <p:spPr>
-          <a:xfrm>
-            <a:off x="9005104" y="2268900"/>
-            <a:ext cx="3186896" cy="4223975"/>
-          </a:xfrm>
-        </p:spPr>
-        <p:txBody>
-          <a:bodyPr>
-            <a:normAutofit/>
-          </a:bodyPr>
-          <a:lstStyle/>
-          <a:p>
-            <a:r>
-              <a:rPr lang="fr-FR" dirty="0">
-                <a:solidFill>
-                  <a:srgbClr val="0070C0"/>
-                </a:solidFill>
-              </a:rPr>
-              <a:t>Utilisez des </a:t>
-            </a:r>
-            <a:r>
-              <a:rPr lang="fr-FR" dirty="0" err="1">
-                <a:solidFill>
-                  <a:srgbClr val="0070C0"/>
-                </a:solidFill>
-              </a:rPr>
-              <a:t>int</a:t>
-            </a:r>
-            <a:r>
-              <a:rPr lang="fr-FR" dirty="0">
-                <a:solidFill>
-                  <a:srgbClr val="0070C0"/>
-                </a:solidFill>
-              </a:rPr>
-              <a:t>, long (en centimes ou millimes si nécessaire) ou au pire </a:t>
-            </a:r>
-            <a:r>
-              <a:rPr lang="fr-FR" dirty="0" err="1">
-                <a:solidFill>
-                  <a:srgbClr val="0070C0"/>
-                </a:solidFill>
-              </a:rPr>
-              <a:t>BigDecimal</a:t>
-            </a:r>
-            <a:r>
-              <a:rPr lang="fr-FR" dirty="0">
-                <a:solidFill>
-                  <a:srgbClr val="0070C0"/>
-                </a:solidFill>
-              </a:rPr>
-              <a:t> (moins pratique et performant mais juste). </a:t>
-            </a:r>
-          </a:p>
-          <a:p>
-            <a:endParaRPr lang="fr-FR" dirty="0"/>
-          </a:p>
-        </p:txBody>
-      </p:sp>
-      <p:pic>
-        <p:nvPicPr>
-          <p:cNvPr id="5" name="Picture 4">
-            <a:extLst>
-              <a:ext uri="{FF2B5EF4-FFF2-40B4-BE49-F238E27FC236}">
-                <a16:creationId xmlns:a16="http://schemas.microsoft.com/office/drawing/2014/main" id="{4DFB1B9F-16DB-E18F-7416-5731FD512809}"/>
-              </a:ext>
-            </a:extLst>
-          </p:cNvPr>
-          <p:cNvPicPr>
-            <a:picLocks noChangeAspect="1"/>
-          </p:cNvPicPr>
-          <p:nvPr/>
-        </p:nvPicPr>
-        <p:blipFill>
-          <a:blip r:embed="rId2"/>
-          <a:stretch>
-            <a:fillRect/>
-          </a:stretch>
-        </p:blipFill>
-        <p:spPr>
-          <a:xfrm>
-            <a:off x="286474" y="1129897"/>
-            <a:ext cx="8420650" cy="5589682"/>
-          </a:xfrm>
-          <a:prstGeom prst="rect">
-            <a:avLst/>
-          </a:prstGeom>
-        </p:spPr>
-      </p:pic>
-    </p:spTree>
-    <p:extLst>
-      <p:ext uri="{BB962C8B-B14F-4D97-AF65-F5344CB8AC3E}">
-        <p14:creationId xmlns:p14="http://schemas.microsoft.com/office/powerpoint/2010/main" val="543172942"/>
-      </p:ext>
-    </p:extLst>
-  </p:cSld>
-  <p:clrMapOvr>
-    <a:masterClrMapping/>
-  </p:clrMapOvr>
+  <p:timing>
+    <p:tnLst>
+      <p:par>
+        <p:cTn id="1" dur="indefinite" restart="never" nodeType="tmRoot">
+          <p:childTnLst>
+            <p:seq concurrent="1" nextAc="seek">
+              <p:cTn id="2" dur="indefinite" nodeType="mainSeq">
+                <p:childTnLst>
+                  <p:par>
+                    <p:cTn id="3" fill="hold">
+                      <p:stCondLst>
+                        <p:cond delay="indefinite"/>
+                        <p:cond evt="onBegin" delay="0">
+                          <p:tn val="2"/>
+                        </p:cond>
+                      </p:stCondLst>
+                      <p:childTnLst>
+                        <p:par>
+                          <p:cTn id="4" fill="hold">
+                            <p:stCondLst>
+                              <p:cond delay="0"/>
+                            </p:stCondLst>
+                            <p:childTnLst>
+                              <p:par>
+                                <p:cTn id="5" presetID="1" presetClass="entr" presetSubtype="0" fill="hold" grpId="0" nodeType="withEffect">
+                                  <p:stCondLst>
+                                    <p:cond delay="0"/>
+                                  </p:stCondLst>
+                                  <p:childTnLst>
+                                    <p:set>
+                                      <p:cBhvr>
+                                        <p:cTn id="6" dur="1" fill="hold">
+                                          <p:stCondLst>
+                                            <p:cond delay="0"/>
+                                          </p:stCondLst>
+                                        </p:cTn>
+                                        <p:tgtEl>
+                                          <p:spTgt spid="9"/>
+                                        </p:tgtEl>
+                                        <p:attrNameLst>
+                                          <p:attrName>style.visibility</p:attrName>
+                                        </p:attrNameLst>
+                                      </p:cBhvr>
+                                      <p:to>
+                                        <p:strVal val="visible"/>
+                                      </p:to>
+                                    </p:set>
+                                  </p:childTnLst>
+                                </p:cTn>
+                              </p:par>
+                            </p:childTnLst>
+                          </p:cTn>
+                        </p:par>
+                      </p:childTnLst>
+                    </p:cTn>
+                  </p:par>
+                  <p:par>
+                    <p:cTn id="7" fill="hold">
+                      <p:stCondLst>
+                        <p:cond delay="indefinite"/>
+                      </p:stCondLst>
+                      <p:childTnLst>
+                        <p:par>
+                          <p:cTn id="8" fill="hold">
+                            <p:stCondLst>
+                              <p:cond delay="0"/>
+                            </p:stCondLst>
+                            <p:childTnLst>
+                              <p:par>
+                                <p:cTn id="9" presetID="1" presetClass="entr" presetSubtype="0" fill="hold" nodeType="clickEffect">
+                                  <p:stCondLst>
+                                    <p:cond delay="0"/>
+                                  </p:stCondLst>
+                                  <p:childTnLst>
+                                    <p:set>
+                                      <p:cBhvr>
+                                        <p:cTn id="10" dur="1" fill="hold">
+                                          <p:stCondLst>
+                                            <p:cond delay="0"/>
+                                          </p:stCondLst>
+                                        </p:cTn>
+                                        <p:tgtEl>
+                                          <p:spTgt spid="7"/>
+                                        </p:tgtEl>
+                                        <p:attrNameLst>
+                                          <p:attrName>style.visibility</p:attrName>
+                                        </p:attrNameLst>
+                                      </p:cBhvr>
+                                      <p:to>
+                                        <p:strVal val="visible"/>
+                                      </p:to>
+                                    </p:set>
+                                  </p:childTnLst>
+                                </p:cTn>
+                              </p:par>
+                            </p:childTnLst>
+                          </p:cTn>
+                        </p:par>
+                      </p:childTnLst>
+                    </p:cTn>
+                  </p:par>
+                </p:childTnLst>
+              </p:cTn>
+              <p:prevCondLst>
+                <p:cond evt="onPrev" delay="0">
+                  <p:tgtEl>
+                    <p:sldTgt/>
+                  </p:tgtEl>
+                </p:cond>
+              </p:prevCondLst>
+              <p:nextCondLst>
+                <p:cond evt="onNext" delay="0">
+                  <p:tgtEl>
+                    <p:sldTgt/>
+                  </p:tgtEl>
+                </p:cond>
+              </p:nextCondLst>
+            </p:seq>
+          </p:childTnLst>
+        </p:cTn>
+      </p:par>
+    </p:tnLst>
+    <p:bldLst>
+      <p:bldP spid="9" grpId="0"/>
+    </p:bldLst>
+  </p:timing>
 </p:sld>
 </file>
 
